--- a/rstan_pp.pptx
+++ b/rstan_pp.pptx
@@ -5,10 +5,10 @@
     <p:sldMasterId id="2147484157" r:id="rId1"/>
   </p:sldMasterIdLst>
   <p:notesMasterIdLst>
-    <p:notesMasterId r:id="rId13"/>
+    <p:notesMasterId r:id="rId19"/>
   </p:notesMasterIdLst>
   <p:handoutMasterIdLst>
-    <p:handoutMasterId r:id="rId14"/>
+    <p:handoutMasterId r:id="rId20"/>
   </p:handoutMasterIdLst>
   <p:sldIdLst>
     <p:sldId id="276" r:id="rId2"/>
@@ -17,11 +17,17 @@
     <p:sldId id="277" r:id="rId5"/>
     <p:sldId id="284" r:id="rId6"/>
     <p:sldId id="289" r:id="rId7"/>
-    <p:sldId id="292" r:id="rId8"/>
-    <p:sldId id="291" r:id="rId9"/>
-    <p:sldId id="287" r:id="rId10"/>
-    <p:sldId id="288" r:id="rId11"/>
-    <p:sldId id="290" r:id="rId12"/>
+    <p:sldId id="293" r:id="rId8"/>
+    <p:sldId id="295" r:id="rId9"/>
+    <p:sldId id="294" r:id="rId10"/>
+    <p:sldId id="296" r:id="rId11"/>
+    <p:sldId id="297" r:id="rId12"/>
+    <p:sldId id="298" r:id="rId13"/>
+    <p:sldId id="292" r:id="rId14"/>
+    <p:sldId id="291" r:id="rId15"/>
+    <p:sldId id="287" r:id="rId16"/>
+    <p:sldId id="288" r:id="rId17"/>
+    <p:sldId id="290" r:id="rId18"/>
   </p:sldIdLst>
   <p:sldSz cx="12190413" cy="6858000"/>
   <p:notesSz cx="6888163" cy="10020300"/>
@@ -372,7 +378,7 @@
             <a:fld id="{D4C110CA-FC68-43DA-BD62-0A387A11A067}" type="datetimeFigureOut">
               <a:rPr lang="en-US" smtClean="0"/>
               <a:pPr/>
-              <a:t>11/6/2019</a:t>
+              <a:t>9/27/2020</a:t>
             </a:fld>
             <a:endParaRPr lang="en-US" dirty="0"/>
           </a:p>
@@ -792,7 +798,7 @@
             <a:fld id="{D4C110CA-FC68-43DA-BD62-0A387A11A067}" type="datetimeFigureOut">
               <a:rPr lang="en-US" smtClean="0"/>
               <a:pPr/>
-              <a:t>11/6/2019</a:t>
+              <a:t>9/27/2020</a:t>
             </a:fld>
             <a:endParaRPr lang="en-US" dirty="0"/>
           </a:p>
@@ -1360,9 +1366,9 @@
           <a:bodyPr/>
           <a:lstStyle/>
           <a:p>
-            <a:fld id="{FE3B791C-FD57-4E18-9A9D-67F53B0E1468}" type="datetime1">
+            <a:fld id="{4D938587-35AC-4625-8704-74C4A0782C37}" type="datetime1">
               <a:rPr lang="en-US" smtClean="0"/>
-              <a:t>11/6/2019</a:t>
+              <a:t>9/27/2020</a:t>
             </a:fld>
             <a:endParaRPr lang="en-US" dirty="0"/>
           </a:p>
@@ -1395,7 +1401,7 @@
                   <a:srgbClr val="10384F"/>
                 </a:solidFill>
               </a:rPr>
-              <a:t>/// July 2019</a:t>
+              <a:t>/// September 2020</a:t>
             </a:r>
             <a:endParaRPr lang="en-US" dirty="0">
               <a:solidFill>
@@ -1453,7 +1459,6 @@
   <p:clrMapOvr>
     <a:masterClrMapping/>
   </p:clrMapOvr>
-  <p:hf hdr="0" dt="0"/>
 </p:sldLayout>
 </file>
 
@@ -1580,9 +1585,9 @@
           <a:bodyPr/>
           <a:lstStyle/>
           <a:p>
-            <a:fld id="{FE3B791C-FD57-4E18-9A9D-67F53B0E1468}" type="datetime1">
+            <a:fld id="{CE34AACD-526C-4263-BB5F-C0E2F037F112}" type="datetime1">
               <a:rPr lang="en-US" smtClean="0"/>
-              <a:t>11/6/2019</a:t>
+              <a:t>9/27/2020</a:t>
             </a:fld>
             <a:endParaRPr lang="en-US" dirty="0"/>
           </a:p>
@@ -1615,7 +1620,7 @@
                   <a:srgbClr val="10384F"/>
                 </a:solidFill>
               </a:rPr>
-              <a:t>/// July 2019</a:t>
+              <a:t>/// September 2020</a:t>
             </a:r>
             <a:endParaRPr lang="en-US" dirty="0">
               <a:solidFill>
@@ -1673,7 +1678,6 @@
   <p:clrMapOvr>
     <a:masterClrMapping/>
   </p:clrMapOvr>
-  <p:hf hdr="0" dt="0"/>
 </p:sldLayout>
 </file>
 
@@ -1810,9 +1814,9 @@
           <a:bodyPr/>
           <a:lstStyle/>
           <a:p>
-            <a:fld id="{FE3B791C-FD57-4E18-9A9D-67F53B0E1468}" type="datetime1">
+            <a:fld id="{9D2AA631-8888-402C-BD5A-07020B9E2C2C}" type="datetime1">
               <a:rPr lang="en-US" smtClean="0"/>
-              <a:t>11/6/2019</a:t>
+              <a:t>9/27/2020</a:t>
             </a:fld>
             <a:endParaRPr lang="en-US" dirty="0"/>
           </a:p>
@@ -1845,7 +1849,7 @@
                   <a:srgbClr val="10384F"/>
                 </a:solidFill>
               </a:rPr>
-              <a:t>/// July 2019</a:t>
+              <a:t>/// September 2020</a:t>
             </a:r>
             <a:endParaRPr lang="en-US" dirty="0">
               <a:solidFill>
@@ -1903,7 +1907,6 @@
   <p:clrMapOvr>
     <a:masterClrMapping/>
   </p:clrMapOvr>
-  <p:hf hdr="0" dt="0"/>
 </p:sldLayout>
 </file>
 
@@ -2048,9 +2051,9 @@
           <a:bodyPr/>
           <a:lstStyle/>
           <a:p>
-            <a:fld id="{9DF4F504-C43C-4655-BAE0-F4B4CED1ED19}" type="datetime1">
+            <a:fld id="{8EC16FC4-05D6-4756-A2FE-05EE3A8B2D50}" type="datetime1">
               <a:rPr lang="en-US" smtClean="0"/>
-              <a:t>11/6/2019</a:t>
+              <a:t>9/27/2020</a:t>
             </a:fld>
             <a:endParaRPr lang="en-US" dirty="0"/>
           </a:p>
@@ -2119,7 +2122,7 @@
           <a:p>
             <a:r>
               <a:rPr lang="nl-NL"/>
-              <a:t>/// July 2019</a:t>
+              <a:t>/// September 2020</a:t>
             </a:r>
             <a:endParaRPr lang="en-US" dirty="0"/>
           </a:p>
@@ -2708,9 +2711,9 @@
           <a:bodyPr/>
           <a:lstStyle/>
           <a:p>
-            <a:fld id="{FE3B791C-FD57-4E18-9A9D-67F53B0E1468}" type="datetime1">
+            <a:fld id="{A91991FE-05A2-449A-BBBA-DE74CDDDEB18}" type="datetime1">
               <a:rPr lang="en-US" smtClean="0"/>
-              <a:t>11/6/2019</a:t>
+              <a:t>9/27/2020</a:t>
             </a:fld>
             <a:endParaRPr lang="en-US" dirty="0"/>
           </a:p>
@@ -2743,7 +2746,7 @@
                   <a:srgbClr val="10384F"/>
                 </a:solidFill>
               </a:rPr>
-              <a:t>/// July 2019</a:t>
+              <a:t>/// September 2020</a:t>
             </a:r>
             <a:endParaRPr lang="en-US" dirty="0">
               <a:solidFill>
@@ -2801,7 +2804,6 @@
   <p:clrMapOvr>
     <a:masterClrMapping/>
   </p:clrMapOvr>
-  <p:hf hdr="0" dt="0"/>
 </p:sldLayout>
 </file>
 
@@ -3005,9 +3007,9 @@
           <a:bodyPr/>
           <a:lstStyle/>
           <a:p>
-            <a:fld id="{FE3B791C-FD57-4E18-9A9D-67F53B0E1468}" type="datetime1">
+            <a:fld id="{13AE854E-250D-44EC-84E8-254EA72186EF}" type="datetime1">
               <a:rPr lang="en-US" smtClean="0"/>
-              <a:t>11/6/2019</a:t>
+              <a:t>9/27/2020</a:t>
             </a:fld>
             <a:endParaRPr lang="en-US" dirty="0"/>
           </a:p>
@@ -3040,7 +3042,7 @@
                   <a:srgbClr val="10384F"/>
                 </a:solidFill>
               </a:rPr>
-              <a:t>/// July 2019</a:t>
+              <a:t>/// September 2020</a:t>
             </a:r>
             <a:endParaRPr lang="en-US" dirty="0">
               <a:solidFill>
@@ -3098,7 +3100,6 @@
   <p:clrMapOvr>
     <a:masterClrMapping/>
   </p:clrMapOvr>
-  <p:hf hdr="0" dt="0"/>
 </p:sldLayout>
 </file>
 
@@ -3292,9 +3293,9 @@
           <a:bodyPr/>
           <a:lstStyle/>
           <a:p>
-            <a:fld id="{FE3B791C-FD57-4E18-9A9D-67F53B0E1468}" type="datetime1">
+            <a:fld id="{D6B2E5DB-ADA0-430C-B436-099DF6DDA16E}" type="datetime1">
               <a:rPr lang="en-US" smtClean="0"/>
-              <a:t>11/6/2019</a:t>
+              <a:t>9/27/2020</a:t>
             </a:fld>
             <a:endParaRPr lang="en-US" dirty="0"/>
           </a:p>
@@ -3327,7 +3328,7 @@
                   <a:srgbClr val="10384F"/>
                 </a:solidFill>
               </a:rPr>
-              <a:t>/// July 2019</a:t>
+              <a:t>/// September 2020</a:t>
             </a:r>
             <a:endParaRPr lang="en-US" dirty="0">
               <a:solidFill>
@@ -3385,7 +3386,6 @@
   <p:clrMapOvr>
     <a:masterClrMapping/>
   </p:clrMapOvr>
-  <p:hf hdr="0" dt="0"/>
 </p:sldLayout>
 </file>
 
@@ -3726,9 +3726,9 @@
           <a:bodyPr/>
           <a:lstStyle/>
           <a:p>
-            <a:fld id="{FE3B791C-FD57-4E18-9A9D-67F53B0E1468}" type="datetime1">
+            <a:fld id="{B7AB077F-72F2-4FF3-98B6-FE4C3DA99DCE}" type="datetime1">
               <a:rPr lang="en-US" smtClean="0"/>
-              <a:t>11/6/2019</a:t>
+              <a:t>9/27/2020</a:t>
             </a:fld>
             <a:endParaRPr lang="en-US" dirty="0"/>
           </a:p>
@@ -3761,7 +3761,7 @@
                   <a:srgbClr val="10384F"/>
                 </a:solidFill>
               </a:rPr>
-              <a:t>/// July 2019</a:t>
+              <a:t>/// September 2020</a:t>
             </a:r>
             <a:endParaRPr lang="en-US" dirty="0">
               <a:solidFill>
@@ -3819,7 +3819,6 @@
   <p:clrMapOvr>
     <a:masterClrMapping/>
   </p:clrMapOvr>
-  <p:hf hdr="0" dt="0"/>
 </p:sldLayout>
 </file>
 
@@ -3889,9 +3888,9 @@
           <a:bodyPr/>
           <a:lstStyle/>
           <a:p>
-            <a:fld id="{FE3B791C-FD57-4E18-9A9D-67F53B0E1468}" type="datetime1">
+            <a:fld id="{2D41BCE2-2D23-40F3-9D45-3E41C71FC530}" type="datetime1">
               <a:rPr lang="en-US" smtClean="0"/>
-              <a:t>11/6/2019</a:t>
+              <a:t>9/27/2020</a:t>
             </a:fld>
             <a:endParaRPr lang="en-US" dirty="0"/>
           </a:p>
@@ -3924,7 +3923,7 @@
                   <a:srgbClr val="10384F"/>
                 </a:solidFill>
               </a:rPr>
-              <a:t>/// July 2019</a:t>
+              <a:t>/// September 2020</a:t>
             </a:r>
             <a:endParaRPr lang="en-US" dirty="0">
               <a:solidFill>
@@ -3982,7 +3981,6 @@
   <p:clrMapOvr>
     <a:masterClrMapping/>
   </p:clrMapOvr>
-  <p:hf hdr="0" dt="0"/>
 </p:sldLayout>
 </file>
 
@@ -4024,9 +4022,9 @@
           <a:bodyPr/>
           <a:lstStyle/>
           <a:p>
-            <a:fld id="{FE3B791C-FD57-4E18-9A9D-67F53B0E1468}" type="datetime1">
+            <a:fld id="{F7C1AA9D-DA26-42A9-BD2A-E04FF97A270B}" type="datetime1">
               <a:rPr lang="en-US" smtClean="0"/>
-              <a:t>11/6/2019</a:t>
+              <a:t>9/27/2020</a:t>
             </a:fld>
             <a:endParaRPr lang="en-US" dirty="0"/>
           </a:p>
@@ -4059,7 +4057,7 @@
                   <a:srgbClr val="10384F"/>
                 </a:solidFill>
               </a:rPr>
-              <a:t>/// July 2019</a:t>
+              <a:t>/// September 2020</a:t>
             </a:r>
             <a:endParaRPr lang="en-US" dirty="0">
               <a:solidFill>
@@ -4117,7 +4115,6 @@
   <p:clrMapOvr>
     <a:masterClrMapping/>
   </p:clrMapOvr>
-  <p:hf hdr="0" dt="0"/>
 </p:sldLayout>
 </file>
 
@@ -4357,9 +4354,9 @@
           <a:bodyPr/>
           <a:lstStyle/>
           <a:p>
-            <a:fld id="{FE3B791C-FD57-4E18-9A9D-67F53B0E1468}" type="datetime1">
+            <a:fld id="{68A5E001-6F51-470B-B48F-043BB368D8BC}" type="datetime1">
               <a:rPr lang="en-US" smtClean="0"/>
-              <a:t>11/6/2019</a:t>
+              <a:t>9/27/2020</a:t>
             </a:fld>
             <a:endParaRPr lang="en-US" dirty="0"/>
           </a:p>
@@ -4392,7 +4389,7 @@
                   <a:srgbClr val="10384F"/>
                 </a:solidFill>
               </a:rPr>
-              <a:t>/// July 2019</a:t>
+              <a:t>/// September 2020</a:t>
             </a:r>
             <a:endParaRPr lang="en-US" dirty="0">
               <a:solidFill>
@@ -4450,7 +4447,6 @@
   <p:clrMapOvr>
     <a:masterClrMapping/>
   </p:clrMapOvr>
-  <p:hf hdr="0" dt="0"/>
 </p:sldLayout>
 </file>
 
@@ -4667,9 +4663,9 @@
           <a:bodyPr/>
           <a:lstStyle/>
           <a:p>
-            <a:fld id="{FE3B791C-FD57-4E18-9A9D-67F53B0E1468}" type="datetime1">
+            <a:fld id="{B46DF87F-AEA4-4095-9337-A100B0E7180F}" type="datetime1">
               <a:rPr lang="en-US" smtClean="0"/>
-              <a:t>11/6/2019</a:t>
+              <a:t>9/27/2020</a:t>
             </a:fld>
             <a:endParaRPr lang="en-US" dirty="0"/>
           </a:p>
@@ -4702,7 +4698,7 @@
                   <a:srgbClr val="10384F"/>
                 </a:solidFill>
               </a:rPr>
-              <a:t>/// July 2019</a:t>
+              <a:t>/// September 2020</a:t>
             </a:r>
             <a:endParaRPr lang="en-US" dirty="0">
               <a:solidFill>
@@ -4760,7 +4756,6 @@
   <p:clrMapOvr>
     <a:masterClrMapping/>
   </p:clrMapOvr>
-  <p:hf hdr="0" dt="0"/>
 </p:sldLayout>
 </file>
 
@@ -4930,9 +4925,9 @@
             </a:lvl1pPr>
           </a:lstStyle>
           <a:p>
-            <a:fld id="{C24F4B54-1832-4ED6-BCEF-E2B69B976A25}" type="datetime1">
+            <a:fld id="{361D489A-AAB4-403B-B406-058DA61F52DE}" type="datetime1">
               <a:rPr lang="en-US" smtClean="0"/>
-              <a:t>11/6/2019</a:t>
+              <a:t>9/27/2020</a:t>
             </a:fld>
             <a:endParaRPr lang="en-US" dirty="0"/>
           </a:p>
@@ -4979,7 +4974,7 @@
           <a:p>
             <a:r>
               <a:rPr lang="en-US"/>
-              <a:t>/// July 2019</a:t>
+              <a:t>/// September 2020</a:t>
             </a:r>
             <a:endParaRPr lang="en-US" dirty="0"/>
           </a:p>
@@ -6131,7 +6126,7 @@
               </a:spcAft>
             </a:pPr>
             <a:r>
-              <a:rPr lang="en-US" kern="1200">
+              <a:rPr lang="en-US" kern="1200" dirty="0">
                 <a:solidFill>
                   <a:schemeClr val="tx1">
                     <a:tint val="75000"/>
@@ -6141,7 +6136,7 @@
                 <a:ea typeface="+mn-ea"/>
                 <a:cs typeface="+mn-cs"/>
               </a:rPr>
-              <a:t>/// July 2019</a:t>
+              <a:t>/// September 2020</a:t>
             </a:r>
           </a:p>
         </p:txBody>
@@ -6263,12 +6258,8 @@
           <a:lstStyle/>
           <a:p>
             <a:r>
-              <a:rPr lang="en-US" dirty="0" err="1"/>
-              <a:t>rstanarm</a:t>
-            </a:r>
-            <a:r>
               <a:rPr lang="en-US" dirty="0"/>
-              <a:t> package</a:t>
+              <a:t>“parameters” block</a:t>
             </a:r>
           </a:p>
         </p:txBody>
@@ -6290,7 +6281,9 @@
           </a:xfrm>
         </p:spPr>
         <p:txBody>
-          <a:bodyPr/>
+          <a:bodyPr>
+            <a:normAutofit/>
+          </a:bodyPr>
           <a:lstStyle/>
           <a:p>
             <a:pPr marL="800054" lvl="1" indent="-342900" algn="l">
@@ -6300,64 +6293,81 @@
             <a:endParaRPr lang="en-US" dirty="0"/>
           </a:p>
           <a:p>
+            <a:pPr lvl="1" algn="l"/>
+            <a:endParaRPr lang="en-US" dirty="0"/>
+          </a:p>
+          <a:p>
+            <a:pPr lvl="1" algn="l"/>
+            <a:r>
+              <a:rPr lang="en-US" sz="2800" dirty="0"/>
+              <a:t>parameters {</a:t>
+            </a:r>
+          </a:p>
+          <a:p>
+            <a:pPr lvl="1" algn="l"/>
+            <a:r>
+              <a:rPr lang="en-US" sz="2800" dirty="0"/>
+              <a:t>	real&lt;lower=0&gt; lambda; // Declare your parameter you </a:t>
+            </a:r>
+          </a:p>
+          <a:p>
+            <a:pPr lvl="1" algn="l"/>
+            <a:r>
+              <a:rPr lang="en-US" sz="2800" dirty="0"/>
+              <a:t>				        //want to sample from</a:t>
+            </a:r>
+          </a:p>
+          <a:p>
+            <a:pPr lvl="1" algn="l"/>
+            <a:r>
+              <a:rPr lang="en-US" sz="2800" dirty="0"/>
+              <a:t>}</a:t>
+            </a:r>
+          </a:p>
+          <a:p>
+            <a:pPr lvl="1" algn="l"/>
+            <a:endParaRPr lang="en-US" dirty="0"/>
+          </a:p>
+          <a:p>
+            <a:pPr lvl="1" algn="l"/>
+            <a:endParaRPr lang="en-US" dirty="0"/>
+          </a:p>
+          <a:p>
+            <a:pPr lvl="1" algn="l"/>
+            <a:endParaRPr lang="en-US" dirty="0"/>
+          </a:p>
+          <a:p>
             <a:pPr marL="800054" lvl="1" indent="-342900" algn="l">
               <a:buFont typeface="Arial" panose="020B0604020202020204" pitchFamily="34" charset="0"/>
               <a:buChar char="•"/>
             </a:pPr>
             <a:r>
-              <a:rPr lang="en-US" dirty="0"/>
-              <a:t>“Estimates previously compiled regression models using the 'rstan' package.”</a:t>
-            </a:r>
-          </a:p>
-          <a:p>
-            <a:pPr lvl="1" algn="l"/>
+              <a:rPr lang="en-US" sz="2400" dirty="0"/>
+              <a:t>Notice that we specified that lambda must be positive</a:t>
+            </a:r>
+          </a:p>
+        </p:txBody>
+      </p:sp>
+      <p:sp>
+        <p:nvSpPr>
+          <p:cNvPr id="6" name="Footer Placeholder 5"/>
+          <p:cNvSpPr>
+            <a:spLocks noGrp="1"/>
+          </p:cNvSpPr>
+          <p:nvPr>
+            <p:ph type="ftr" sz="quarter" idx="11"/>
+          </p:nvPr>
+        </p:nvSpPr>
+        <p:spPr/>
+        <p:txBody>
+          <a:bodyPr/>
+          <a:lstStyle/>
+          <a:p>
+            <a:r>
+              <a:rPr lang="en-US"/>
+              <a:t>/// September 2020</a:t>
+            </a:r>
             <a:endParaRPr lang="en-US" dirty="0"/>
-          </a:p>
-          <a:p>
-            <a:pPr marL="800054" lvl="1" indent="-342900" algn="l">
-              <a:buFont typeface="Arial" panose="020B0604020202020204" pitchFamily="34" charset="0"/>
-              <a:buChar char="•"/>
-            </a:pPr>
-            <a:r>
-              <a:rPr lang="en-US" dirty="0"/>
-              <a:t>Uses familiar R notation for models, but not as familiar</a:t>
-            </a:r>
-          </a:p>
-          <a:p>
-            <a:pPr lvl="1" algn="l"/>
-            <a:endParaRPr lang="en-US" dirty="0"/>
-          </a:p>
-          <a:p>
-            <a:pPr marL="800054" lvl="1" indent="-342900" algn="l">
-              <a:buFont typeface="Arial" panose="020B0604020202020204" pitchFamily="34" charset="0"/>
-              <a:buChar char="•"/>
-            </a:pPr>
-            <a:r>
-              <a:rPr lang="en-US" dirty="0"/>
-              <a:t>Plays a little nicer with rstan functions</a:t>
-            </a:r>
-          </a:p>
-        </p:txBody>
-      </p:sp>
-      <p:sp>
-        <p:nvSpPr>
-          <p:cNvPr id="6" name="Footer Placeholder 5"/>
-          <p:cNvSpPr>
-            <a:spLocks noGrp="1"/>
-          </p:cNvSpPr>
-          <p:nvPr>
-            <p:ph type="ftr" sz="quarter" idx="11"/>
-          </p:nvPr>
-        </p:nvSpPr>
-        <p:spPr/>
-        <p:txBody>
-          <a:bodyPr/>
-          <a:lstStyle/>
-          <a:p>
-            <a:r>
-              <a:rPr lang="en-US" dirty="0"/>
-              <a:t>/// July 2019</a:t>
-            </a:r>
           </a:p>
         </p:txBody>
       </p:sp>
@@ -6387,7 +6397,7 @@
     </p:spTree>
     <p:extLst>
       <p:ext uri="{BB962C8B-B14F-4D97-AF65-F5344CB8AC3E}">
-        <p14:creationId xmlns:p14="http://schemas.microsoft.com/office/powerpoint/2010/main" val="1692044209"/>
+        <p14:creationId xmlns:p14="http://schemas.microsoft.com/office/powerpoint/2010/main" val="4242463385"/>
       </p:ext>
     </p:extLst>
   </p:cSld>
@@ -6436,7 +6446,7 @@
           <a:p>
             <a:r>
               <a:rPr lang="en-US" dirty="0"/>
-              <a:t>Where to go for help</a:t>
+              <a:t>“model” block</a:t>
             </a:r>
           </a:p>
         </p:txBody>
@@ -6458,7 +6468,9 @@
           </a:xfrm>
         </p:spPr>
         <p:txBody>
-          <a:bodyPr/>
+          <a:bodyPr>
+            <a:normAutofit/>
+          </a:bodyPr>
           <a:lstStyle/>
           <a:p>
             <a:pPr marL="800054" lvl="1" indent="-342900" algn="l">
@@ -6474,15 +6486,8 @@
             </a:pPr>
             <a:r>
               <a:rPr lang="en-US" dirty="0"/>
-              <a:t>Stan User's Guide: </a:t>
-            </a:r>
-            <a:r>
-              <a:rPr lang="en-US" dirty="0">
-                <a:hlinkClick r:id="rId2"/>
-              </a:rPr>
-              <a:t>https://mc-stan.org/docs/2_19/stan-users-guide/index.html</a:t>
-            </a:r>
-            <a:endParaRPr lang="en-US" dirty="0"/>
+              <a:t>This is where all the magic happens</a:t>
+            </a:r>
           </a:p>
           <a:p>
             <a:pPr marL="800054" lvl="1" indent="-342900" algn="l">
@@ -6492,22 +6497,163 @@
             <a:endParaRPr lang="en-US" dirty="0"/>
           </a:p>
           <a:p>
-            <a:pPr marL="800054" lvl="1" indent="-342900" algn="l">
-              <a:buFont typeface="Arial" panose="020B0604020202020204" pitchFamily="34" charset="0"/>
-              <a:buChar char="•"/>
-            </a:pPr>
+            <a:pPr lvl="1" algn="l"/>
+            <a:r>
+              <a:rPr lang="en-US" sz="2800" dirty="0"/>
+              <a:t>model {</a:t>
+            </a:r>
+          </a:p>
+          <a:p>
+            <a:pPr lvl="1" algn="l"/>
+            <a:r>
+              <a:rPr lang="en-US" sz="2800" dirty="0"/>
+              <a:t>	lambda ~ normal(0, 10) // Declare your prior</a:t>
+            </a:r>
+          </a:p>
+          <a:p>
+            <a:pPr lvl="1" algn="l"/>
+            <a:r>
+              <a:rPr lang="en-US" sz="2800" dirty="0"/>
+              <a:t>	y ~ exponential(lambda) // Declare your likelihood</a:t>
+            </a:r>
+          </a:p>
+          <a:p>
+            <a:pPr lvl="1" algn="l"/>
+            <a:r>
+              <a:rPr lang="en-US" sz="2800" dirty="0"/>
+              <a:t>}</a:t>
+            </a:r>
+          </a:p>
+          <a:p>
+            <a:pPr lvl="1" algn="l"/>
+            <a:endParaRPr lang="en-US" dirty="0"/>
+          </a:p>
+        </p:txBody>
+      </p:sp>
+      <p:sp>
+        <p:nvSpPr>
+          <p:cNvPr id="6" name="Footer Placeholder 5"/>
+          <p:cNvSpPr>
+            <a:spLocks noGrp="1"/>
+          </p:cNvSpPr>
+          <p:nvPr>
+            <p:ph type="ftr" sz="quarter" idx="11"/>
+          </p:nvPr>
+        </p:nvSpPr>
+        <p:spPr/>
+        <p:txBody>
+          <a:bodyPr/>
+          <a:lstStyle/>
+          <a:p>
+            <a:r>
+              <a:rPr lang="en-US"/>
+              <a:t>/// September 2020</a:t>
+            </a:r>
+            <a:endParaRPr lang="en-US" dirty="0"/>
+          </a:p>
+        </p:txBody>
+      </p:sp>
+      <p:sp>
+        <p:nvSpPr>
+          <p:cNvPr id="9" name="Slide Number Placeholder 8"/>
+          <p:cNvSpPr>
+            <a:spLocks noGrp="1"/>
+          </p:cNvSpPr>
+          <p:nvPr>
+            <p:ph type="sldNum" sz="quarter" idx="12"/>
+          </p:nvPr>
+        </p:nvSpPr>
+        <p:spPr/>
+        <p:txBody>
+          <a:bodyPr/>
+          <a:lstStyle/>
+          <a:p>
+            <a:fld id="{FBEEB210-EB46-467B-A6E6-3AD757A66A9A}" type="slidenum">
+              <a:rPr lang="en-US" smtClean="0"/>
+              <a:t>11</a:t>
+            </a:fld>
+            <a:endParaRPr lang="en-US"/>
+          </a:p>
+        </p:txBody>
+      </p:sp>
+    </p:spTree>
+    <p:extLst>
+      <p:ext uri="{BB962C8B-B14F-4D97-AF65-F5344CB8AC3E}">
+        <p14:creationId xmlns:p14="http://schemas.microsoft.com/office/powerpoint/2010/main" val="3429893138"/>
+      </p:ext>
+    </p:extLst>
+  </p:cSld>
+  <p:clrMapOvr>
+    <a:masterClrMapping/>
+  </p:clrMapOvr>
+</p:sld>
+</file>
+
+<file path=ppt/slides/slide12.xml><?xml version="1.0" encoding="utf-8"?>
+<p:sld xmlns:a="http://schemas.openxmlformats.org/drawingml/2006/main" xmlns:r="http://schemas.openxmlformats.org/officeDocument/2006/relationships" xmlns:p="http://schemas.openxmlformats.org/presentationml/2006/main">
+  <p:cSld>
+    <p:spTree>
+      <p:nvGrpSpPr>
+        <p:cNvPr id="1" name=""/>
+        <p:cNvGrpSpPr/>
+        <p:nvPr/>
+      </p:nvGrpSpPr>
+      <p:grpSpPr>
+        <a:xfrm>
+          <a:off x="0" y="0"/>
+          <a:ext cx="0" cy="0"/>
+          <a:chOff x="0" y="0"/>
+          <a:chExt cx="0" cy="0"/>
+        </a:xfrm>
+      </p:grpSpPr>
+      <p:sp>
+        <p:nvSpPr>
+          <p:cNvPr id="11" name="Title 10"/>
+          <p:cNvSpPr>
+            <a:spLocks noGrp="1"/>
+          </p:cNvSpPr>
+          <p:nvPr>
+            <p:ph type="ctrTitle"/>
+          </p:nvPr>
+        </p:nvSpPr>
+        <p:spPr>
+          <a:xfrm>
+            <a:off x="1523802" y="326771"/>
+            <a:ext cx="9142810" cy="915443"/>
+          </a:xfrm>
+        </p:spPr>
+        <p:txBody>
+          <a:bodyPr/>
+          <a:lstStyle/>
+          <a:p>
             <a:r>
               <a:rPr lang="en-US" dirty="0"/>
-              <a:t>Initialization: </a:t>
-            </a:r>
-            <a:r>
-              <a:rPr lang="en-US" dirty="0">
-                <a:hlinkClick r:id="rId3"/>
-              </a:rPr>
-              <a:t>https://github.com/stan-dev/rstan/wiki/RStan-Getting-Started</a:t>
-            </a:r>
-            <a:endParaRPr lang="en-US" dirty="0"/>
-          </a:p>
+              <a:t>.stan file</a:t>
+            </a:r>
+          </a:p>
+        </p:txBody>
+      </p:sp>
+      <p:sp>
+        <p:nvSpPr>
+          <p:cNvPr id="10" name="Subtitle 9"/>
+          <p:cNvSpPr>
+            <a:spLocks noGrp="1"/>
+          </p:cNvSpPr>
+          <p:nvPr>
+            <p:ph type="subTitle" idx="1"/>
+          </p:nvPr>
+        </p:nvSpPr>
+        <p:spPr>
+          <a:xfrm>
+            <a:off x="1523802" y="1242213"/>
+            <a:ext cx="9142810" cy="4435775"/>
+          </a:xfrm>
+        </p:spPr>
+        <p:txBody>
+          <a:bodyPr>
+            <a:normAutofit fontScale="85000" lnSpcReduction="20000"/>
+          </a:bodyPr>
+          <a:lstStyle/>
           <a:p>
             <a:pPr marL="800054" lvl="1" indent="-342900" algn="l">
               <a:buFont typeface="Arial" panose="020B0604020202020204" pitchFamily="34" charset="0"/>
@@ -6516,22 +6662,236 @@
             <a:endParaRPr lang="en-US" dirty="0"/>
           </a:p>
           <a:p>
-            <a:pPr marL="800054" lvl="1" indent="-342900" algn="l">
-              <a:buFont typeface="Arial" panose="020B0604020202020204" pitchFamily="34" charset="0"/>
-              <a:buChar char="•"/>
-            </a:pPr>
+            <a:pPr lvl="1" algn="l"/>
+            <a:endParaRPr lang="en-US" dirty="0"/>
+          </a:p>
+          <a:p>
+            <a:pPr lvl="1" algn="l"/>
             <a:r>
               <a:rPr lang="en-US" dirty="0"/>
-              <a:t>Reference Manual: </a:t>
-            </a:r>
-            <a:r>
-              <a:rPr lang="en-US" dirty="0">
-                <a:hlinkClick r:id="rId4"/>
-              </a:rPr>
-              <a:t>https://mc-stan.org/docs/2_19/reference-manual/index.html#overview</a:t>
-            </a:r>
+              <a:t>data {</a:t>
+            </a:r>
+          </a:p>
+          <a:p>
+            <a:pPr lvl="1" algn="l"/>
+            <a:r>
+              <a:rPr lang="en-US" dirty="0"/>
+              <a:t>	int&lt;lower=0&gt; N; // Declare the dimension of your</a:t>
+            </a:r>
+          </a:p>
+          <a:p>
+            <a:pPr lvl="1" algn="l"/>
+            <a:r>
+              <a:rPr lang="en-US" dirty="0"/>
+              <a:t>			       //observations</a:t>
+            </a:r>
+          </a:p>
+          <a:p>
+            <a:pPr lvl="1" algn="l"/>
+            <a:r>
+              <a:rPr lang="en-US" dirty="0"/>
+              <a:t>	vector[N] y; // Declare your observations</a:t>
+            </a:r>
+          </a:p>
+          <a:p>
+            <a:pPr lvl="1" algn="l"/>
+            <a:r>
+              <a:rPr lang="en-US" dirty="0"/>
+              <a:t>}</a:t>
+            </a:r>
+          </a:p>
+          <a:p>
+            <a:pPr lvl="1" algn="l"/>
             <a:endParaRPr lang="en-US" dirty="0"/>
           </a:p>
+          <a:p>
+            <a:pPr lvl="1" algn="l"/>
+            <a:r>
+              <a:rPr lang="en-US" dirty="0"/>
+              <a:t>parameters {</a:t>
+            </a:r>
+          </a:p>
+          <a:p>
+            <a:pPr lvl="1" algn="l"/>
+            <a:r>
+              <a:rPr lang="en-US" dirty="0"/>
+              <a:t>	real&lt;lower=0&gt; lambda; // Declare your parameter you </a:t>
+            </a:r>
+          </a:p>
+          <a:p>
+            <a:pPr lvl="1" algn="l"/>
+            <a:r>
+              <a:rPr lang="en-US" dirty="0"/>
+              <a:t>				        //want to sample from</a:t>
+            </a:r>
+          </a:p>
+          <a:p>
+            <a:pPr lvl="1" algn="l"/>
+            <a:r>
+              <a:rPr lang="en-US" dirty="0"/>
+              <a:t>}</a:t>
+            </a:r>
+          </a:p>
+          <a:p>
+            <a:pPr lvl="1" algn="l"/>
+            <a:endParaRPr lang="en-US" dirty="0"/>
+          </a:p>
+          <a:p>
+            <a:pPr lvl="1" algn="l"/>
+            <a:r>
+              <a:rPr lang="en-US" dirty="0"/>
+              <a:t>model {</a:t>
+            </a:r>
+          </a:p>
+          <a:p>
+            <a:pPr lvl="1" algn="l"/>
+            <a:r>
+              <a:rPr lang="en-US" dirty="0"/>
+              <a:t>	lambda ~ normal(0, 10) // Declare your prior</a:t>
+            </a:r>
+          </a:p>
+          <a:p>
+            <a:pPr lvl="1" algn="l"/>
+            <a:r>
+              <a:rPr lang="en-US" dirty="0"/>
+              <a:t>	y ~ exponential(lambda) // Declare your likelihood</a:t>
+            </a:r>
+          </a:p>
+          <a:p>
+            <a:pPr lvl="1" algn="l"/>
+            <a:r>
+              <a:rPr lang="en-US" dirty="0"/>
+              <a:t>}</a:t>
+            </a:r>
+          </a:p>
+          <a:p>
+            <a:pPr lvl="1" algn="l"/>
+            <a:endParaRPr lang="en-US" dirty="0"/>
+          </a:p>
+        </p:txBody>
+      </p:sp>
+      <p:sp>
+        <p:nvSpPr>
+          <p:cNvPr id="6" name="Footer Placeholder 5"/>
+          <p:cNvSpPr>
+            <a:spLocks noGrp="1"/>
+          </p:cNvSpPr>
+          <p:nvPr>
+            <p:ph type="ftr" sz="quarter" idx="11"/>
+          </p:nvPr>
+        </p:nvSpPr>
+        <p:spPr/>
+        <p:txBody>
+          <a:bodyPr/>
+          <a:lstStyle/>
+          <a:p>
+            <a:r>
+              <a:rPr lang="en-US"/>
+              <a:t>/// September 2020</a:t>
+            </a:r>
+            <a:endParaRPr lang="en-US" dirty="0"/>
+          </a:p>
+        </p:txBody>
+      </p:sp>
+      <p:sp>
+        <p:nvSpPr>
+          <p:cNvPr id="9" name="Slide Number Placeholder 8"/>
+          <p:cNvSpPr>
+            <a:spLocks noGrp="1"/>
+          </p:cNvSpPr>
+          <p:nvPr>
+            <p:ph type="sldNum" sz="quarter" idx="12"/>
+          </p:nvPr>
+        </p:nvSpPr>
+        <p:spPr/>
+        <p:txBody>
+          <a:bodyPr/>
+          <a:lstStyle/>
+          <a:p>
+            <a:fld id="{FBEEB210-EB46-467B-A6E6-3AD757A66A9A}" type="slidenum">
+              <a:rPr lang="en-US" smtClean="0"/>
+              <a:t>12</a:t>
+            </a:fld>
+            <a:endParaRPr lang="en-US"/>
+          </a:p>
+        </p:txBody>
+      </p:sp>
+    </p:spTree>
+    <p:extLst>
+      <p:ext uri="{BB962C8B-B14F-4D97-AF65-F5344CB8AC3E}">
+        <p14:creationId xmlns:p14="http://schemas.microsoft.com/office/powerpoint/2010/main" val="1530341049"/>
+      </p:ext>
+    </p:extLst>
+  </p:cSld>
+  <p:clrMapOvr>
+    <a:masterClrMapping/>
+  </p:clrMapOvr>
+</p:sld>
+</file>
+
+<file path=ppt/slides/slide13.xml><?xml version="1.0" encoding="utf-8"?>
+<p:sld xmlns:a="http://schemas.openxmlformats.org/drawingml/2006/main" xmlns:r="http://schemas.openxmlformats.org/officeDocument/2006/relationships" xmlns:p="http://schemas.openxmlformats.org/presentationml/2006/main">
+  <p:cSld>
+    <p:spTree>
+      <p:nvGrpSpPr>
+        <p:cNvPr id="1" name=""/>
+        <p:cNvGrpSpPr/>
+        <p:nvPr/>
+      </p:nvGrpSpPr>
+      <p:grpSpPr>
+        <a:xfrm>
+          <a:off x="0" y="0"/>
+          <a:ext cx="0" cy="0"/>
+          <a:chOff x="0" y="0"/>
+          <a:chExt cx="0" cy="0"/>
+        </a:xfrm>
+      </p:grpSpPr>
+      <p:sp>
+        <p:nvSpPr>
+          <p:cNvPr id="11" name="Title 10"/>
+          <p:cNvSpPr>
+            <a:spLocks noGrp="1"/>
+          </p:cNvSpPr>
+          <p:nvPr>
+            <p:ph type="ctrTitle"/>
+          </p:nvPr>
+        </p:nvSpPr>
+        <p:spPr>
+          <a:xfrm>
+            <a:off x="1523802" y="326771"/>
+            <a:ext cx="9142810" cy="915443"/>
+          </a:xfrm>
+        </p:spPr>
+        <p:txBody>
+          <a:bodyPr/>
+          <a:lstStyle/>
+          <a:p>
+            <a:r>
+              <a:rPr lang="en-US" dirty="0"/>
+              <a:t>Rules/Common Problems</a:t>
+            </a:r>
+          </a:p>
+        </p:txBody>
+      </p:sp>
+      <p:sp>
+        <p:nvSpPr>
+          <p:cNvPr id="10" name="Subtitle 9"/>
+          <p:cNvSpPr>
+            <a:spLocks noGrp="1"/>
+          </p:cNvSpPr>
+          <p:nvPr>
+            <p:ph type="subTitle" idx="1"/>
+          </p:nvPr>
+        </p:nvSpPr>
+        <p:spPr>
+          <a:xfrm>
+            <a:off x="1523802" y="1242213"/>
+            <a:ext cx="9142810" cy="4435775"/>
+          </a:xfrm>
+        </p:spPr>
+        <p:txBody>
+          <a:bodyPr/>
+          <a:lstStyle/>
           <a:p>
             <a:pPr marL="800054" lvl="1" indent="-342900" algn="l">
               <a:buFont typeface="Arial" panose="020B0604020202020204" pitchFamily="34" charset="0"/>
@@ -6545,6 +6905,850 @@
               <a:buChar char="•"/>
             </a:pPr>
             <a:r>
+              <a:rPr lang="en-US" dirty="0"/>
+              <a:t>Stan files must always end with a blank line</a:t>
+            </a:r>
+          </a:p>
+          <a:p>
+            <a:pPr lvl="1" algn="l"/>
+            <a:endParaRPr lang="en-US" dirty="0"/>
+          </a:p>
+          <a:p>
+            <a:pPr marL="800054" lvl="1" indent="-342900" algn="l">
+              <a:buFont typeface="Arial" panose="020B0604020202020204" pitchFamily="34" charset="0"/>
+              <a:buChar char="•"/>
+            </a:pPr>
+            <a:r>
+              <a:rPr lang="en-US" dirty="0"/>
+              <a:t>Stan files need to have a “data”, “parameters”, and “model” chunk</a:t>
+            </a:r>
+          </a:p>
+          <a:p>
+            <a:pPr marL="1257209" lvl="2" indent="-342900" algn="l">
+              <a:buFont typeface="Arial" panose="020B0604020202020204" pitchFamily="34" charset="0"/>
+              <a:buChar char="•"/>
+            </a:pPr>
+            <a:r>
+              <a:rPr lang="en-US" dirty="0"/>
+              <a:t>Can also have “transformed parameters”, “functions”, and “generated quantities”, “transformed data”, and maybe a few others</a:t>
+            </a:r>
+          </a:p>
+          <a:p>
+            <a:pPr lvl="2" algn="l"/>
+            <a:endParaRPr lang="en-US" dirty="0"/>
+          </a:p>
+          <a:p>
+            <a:pPr marL="800054" lvl="1" indent="-342900" algn="l">
+              <a:buFont typeface="Arial" panose="020B0604020202020204" pitchFamily="34" charset="0"/>
+              <a:buChar char="•"/>
+            </a:pPr>
+            <a:r>
+              <a:rPr lang="en-US" dirty="0"/>
+              <a:t>Always declare the dimensions and support for variables. This isn’t strictly required for the “data” block, but is good practice</a:t>
+            </a:r>
+          </a:p>
+          <a:p>
+            <a:pPr marL="1257209" lvl="2" indent="-342900" algn="l">
+              <a:buFont typeface="Arial" panose="020B0604020202020204" pitchFamily="34" charset="0"/>
+              <a:buChar char="•"/>
+            </a:pPr>
+            <a:r>
+              <a:rPr lang="en-US" dirty="0"/>
+              <a:t>Ex: real&lt;lower=L, upper=U&gt; y[N]</a:t>
+            </a:r>
+          </a:p>
+        </p:txBody>
+      </p:sp>
+      <p:sp>
+        <p:nvSpPr>
+          <p:cNvPr id="6" name="Footer Placeholder 5"/>
+          <p:cNvSpPr>
+            <a:spLocks noGrp="1"/>
+          </p:cNvSpPr>
+          <p:nvPr>
+            <p:ph type="ftr" sz="quarter" idx="11"/>
+          </p:nvPr>
+        </p:nvSpPr>
+        <p:spPr/>
+        <p:txBody>
+          <a:bodyPr/>
+          <a:lstStyle/>
+          <a:p>
+            <a:r>
+              <a:rPr lang="en-US"/>
+              <a:t>/// September 2020</a:t>
+            </a:r>
+            <a:endParaRPr lang="en-US" dirty="0"/>
+          </a:p>
+        </p:txBody>
+      </p:sp>
+      <p:sp>
+        <p:nvSpPr>
+          <p:cNvPr id="9" name="Slide Number Placeholder 8"/>
+          <p:cNvSpPr>
+            <a:spLocks noGrp="1"/>
+          </p:cNvSpPr>
+          <p:nvPr>
+            <p:ph type="sldNum" sz="quarter" idx="12"/>
+          </p:nvPr>
+        </p:nvSpPr>
+        <p:spPr/>
+        <p:txBody>
+          <a:bodyPr/>
+          <a:lstStyle/>
+          <a:p>
+            <a:fld id="{FBEEB210-EB46-467B-A6E6-3AD757A66A9A}" type="slidenum">
+              <a:rPr lang="en-US" smtClean="0"/>
+              <a:t>13</a:t>
+            </a:fld>
+            <a:endParaRPr lang="en-US"/>
+          </a:p>
+        </p:txBody>
+      </p:sp>
+    </p:spTree>
+    <p:extLst>
+      <p:ext uri="{BB962C8B-B14F-4D97-AF65-F5344CB8AC3E}">
+        <p14:creationId xmlns:p14="http://schemas.microsoft.com/office/powerpoint/2010/main" val="1391258848"/>
+      </p:ext>
+    </p:extLst>
+  </p:cSld>
+  <p:clrMapOvr>
+    <a:masterClrMapping/>
+  </p:clrMapOvr>
+</p:sld>
+</file>
+
+<file path=ppt/slides/slide14.xml><?xml version="1.0" encoding="utf-8"?>
+<p:sld xmlns:a="http://schemas.openxmlformats.org/drawingml/2006/main" xmlns:r="http://schemas.openxmlformats.org/officeDocument/2006/relationships" xmlns:p="http://schemas.openxmlformats.org/presentationml/2006/main">
+  <p:cSld>
+    <p:spTree>
+      <p:nvGrpSpPr>
+        <p:cNvPr id="1" name=""/>
+        <p:cNvGrpSpPr/>
+        <p:nvPr/>
+      </p:nvGrpSpPr>
+      <p:grpSpPr>
+        <a:xfrm>
+          <a:off x="0" y="0"/>
+          <a:ext cx="0" cy="0"/>
+          <a:chOff x="0" y="0"/>
+          <a:chExt cx="0" cy="0"/>
+        </a:xfrm>
+      </p:grpSpPr>
+      <p:sp>
+        <p:nvSpPr>
+          <p:cNvPr id="11" name="Title 10"/>
+          <p:cNvSpPr>
+            <a:spLocks noGrp="1"/>
+          </p:cNvSpPr>
+          <p:nvPr>
+            <p:ph type="ctrTitle"/>
+          </p:nvPr>
+        </p:nvSpPr>
+        <p:spPr>
+          <a:xfrm>
+            <a:off x="1523802" y="326771"/>
+            <a:ext cx="9142810" cy="915443"/>
+          </a:xfrm>
+        </p:spPr>
+        <p:txBody>
+          <a:bodyPr/>
+          <a:lstStyle/>
+          <a:p>
+            <a:r>
+              <a:rPr lang="en-US" dirty="0"/>
+              <a:t>rstan package</a:t>
+            </a:r>
+          </a:p>
+        </p:txBody>
+      </p:sp>
+      <p:sp>
+        <p:nvSpPr>
+          <p:cNvPr id="10" name="Subtitle 9"/>
+          <p:cNvSpPr>
+            <a:spLocks noGrp="1"/>
+          </p:cNvSpPr>
+          <p:nvPr>
+            <p:ph type="subTitle" idx="1"/>
+          </p:nvPr>
+        </p:nvSpPr>
+        <p:spPr>
+          <a:xfrm>
+            <a:off x="1523802" y="1242213"/>
+            <a:ext cx="9142810" cy="4435775"/>
+          </a:xfrm>
+        </p:spPr>
+        <p:txBody>
+          <a:bodyPr/>
+          <a:lstStyle/>
+          <a:p>
+            <a:pPr marL="800054" lvl="1" indent="-342900" algn="l">
+              <a:buFont typeface="Arial" panose="020B0604020202020204" pitchFamily="34" charset="0"/>
+              <a:buChar char="•"/>
+            </a:pPr>
+            <a:endParaRPr lang="en-US" sz="2400" dirty="0"/>
+          </a:p>
+          <a:p>
+            <a:pPr marL="800054" lvl="1" indent="-342900" algn="l">
+              <a:buFont typeface="Arial" panose="020B0604020202020204" pitchFamily="34" charset="0"/>
+              <a:buChar char="•"/>
+            </a:pPr>
+            <a:r>
+              <a:rPr lang="en-US" sz="2400" dirty="0"/>
+              <a:t>Rstan does a lot of things that we won’t cover</a:t>
+            </a:r>
+          </a:p>
+          <a:p>
+            <a:pPr lvl="1" algn="l"/>
+            <a:endParaRPr lang="en-US" sz="2400" dirty="0"/>
+          </a:p>
+          <a:p>
+            <a:pPr marL="1257209" lvl="2" indent="-342900" algn="l">
+              <a:buFont typeface="Arial" panose="020B0604020202020204" pitchFamily="34" charset="0"/>
+              <a:buChar char="•"/>
+            </a:pPr>
+            <a:r>
+              <a:rPr lang="en-US" sz="2400" dirty="0"/>
+              <a:t>Solving Algebraic Equations</a:t>
+            </a:r>
+          </a:p>
+          <a:p>
+            <a:pPr lvl="2" algn="l"/>
+            <a:endParaRPr lang="en-US" sz="2400" dirty="0"/>
+          </a:p>
+          <a:p>
+            <a:pPr marL="1257209" lvl="2" indent="-342900" algn="l">
+              <a:buFont typeface="Arial" panose="020B0604020202020204" pitchFamily="34" charset="0"/>
+              <a:buChar char="•"/>
+            </a:pPr>
+            <a:r>
+              <a:rPr lang="en-US" sz="2400" dirty="0"/>
+              <a:t>Ordinary Differential Equations</a:t>
+            </a:r>
+          </a:p>
+          <a:p>
+            <a:pPr lvl="2" algn="l"/>
+            <a:endParaRPr lang="en-US" sz="2400" dirty="0"/>
+          </a:p>
+          <a:p>
+            <a:pPr marL="1257209" lvl="2" indent="-342900" algn="l">
+              <a:buFont typeface="Arial" panose="020B0604020202020204" pitchFamily="34" charset="0"/>
+              <a:buChar char="•"/>
+            </a:pPr>
+            <a:r>
+              <a:rPr lang="en-US" sz="2400" dirty="0"/>
+              <a:t>One Dimensional Integrals</a:t>
+            </a:r>
+          </a:p>
+        </p:txBody>
+      </p:sp>
+      <p:sp>
+        <p:nvSpPr>
+          <p:cNvPr id="6" name="Footer Placeholder 5"/>
+          <p:cNvSpPr>
+            <a:spLocks noGrp="1"/>
+          </p:cNvSpPr>
+          <p:nvPr>
+            <p:ph type="ftr" sz="quarter" idx="11"/>
+          </p:nvPr>
+        </p:nvSpPr>
+        <p:spPr/>
+        <p:txBody>
+          <a:bodyPr/>
+          <a:lstStyle/>
+          <a:p>
+            <a:r>
+              <a:rPr lang="en-US"/>
+              <a:t>/// September 2020</a:t>
+            </a:r>
+            <a:endParaRPr lang="en-US" dirty="0"/>
+          </a:p>
+        </p:txBody>
+      </p:sp>
+      <p:sp>
+        <p:nvSpPr>
+          <p:cNvPr id="9" name="Slide Number Placeholder 8"/>
+          <p:cNvSpPr>
+            <a:spLocks noGrp="1"/>
+          </p:cNvSpPr>
+          <p:nvPr>
+            <p:ph type="sldNum" sz="quarter" idx="12"/>
+          </p:nvPr>
+        </p:nvSpPr>
+        <p:spPr/>
+        <p:txBody>
+          <a:bodyPr/>
+          <a:lstStyle/>
+          <a:p>
+            <a:fld id="{FBEEB210-EB46-467B-A6E6-3AD757A66A9A}" type="slidenum">
+              <a:rPr lang="en-US" smtClean="0"/>
+              <a:t>14</a:t>
+            </a:fld>
+            <a:endParaRPr lang="en-US"/>
+          </a:p>
+        </p:txBody>
+      </p:sp>
+    </p:spTree>
+    <p:extLst>
+      <p:ext uri="{BB962C8B-B14F-4D97-AF65-F5344CB8AC3E}">
+        <p14:creationId xmlns:p14="http://schemas.microsoft.com/office/powerpoint/2010/main" val="1536517395"/>
+      </p:ext>
+    </p:extLst>
+  </p:cSld>
+  <p:clrMapOvr>
+    <a:masterClrMapping/>
+  </p:clrMapOvr>
+</p:sld>
+</file>
+
+<file path=ppt/slides/slide15.xml><?xml version="1.0" encoding="utf-8"?>
+<p:sld xmlns:a="http://schemas.openxmlformats.org/drawingml/2006/main" xmlns:r="http://schemas.openxmlformats.org/officeDocument/2006/relationships" xmlns:p="http://schemas.openxmlformats.org/presentationml/2006/main">
+  <p:cSld>
+    <p:spTree>
+      <p:nvGrpSpPr>
+        <p:cNvPr id="1" name=""/>
+        <p:cNvGrpSpPr/>
+        <p:nvPr/>
+      </p:nvGrpSpPr>
+      <p:grpSpPr>
+        <a:xfrm>
+          <a:off x="0" y="0"/>
+          <a:ext cx="0" cy="0"/>
+          <a:chOff x="0" y="0"/>
+          <a:chExt cx="0" cy="0"/>
+        </a:xfrm>
+      </p:grpSpPr>
+      <p:sp>
+        <p:nvSpPr>
+          <p:cNvPr id="11" name="Title 10"/>
+          <p:cNvSpPr>
+            <a:spLocks noGrp="1"/>
+          </p:cNvSpPr>
+          <p:nvPr>
+            <p:ph type="ctrTitle"/>
+          </p:nvPr>
+        </p:nvSpPr>
+        <p:spPr>
+          <a:xfrm>
+            <a:off x="1523802" y="326771"/>
+            <a:ext cx="9142810" cy="915443"/>
+          </a:xfrm>
+        </p:spPr>
+        <p:txBody>
+          <a:bodyPr/>
+          <a:lstStyle/>
+          <a:p>
+            <a:r>
+              <a:rPr lang="en-US" dirty="0" err="1"/>
+              <a:t>brms</a:t>
+            </a:r>
+            <a:r>
+              <a:rPr lang="en-US" dirty="0"/>
+              <a:t> package</a:t>
+            </a:r>
+          </a:p>
+        </p:txBody>
+      </p:sp>
+      <p:sp>
+        <p:nvSpPr>
+          <p:cNvPr id="10" name="Subtitle 9"/>
+          <p:cNvSpPr>
+            <a:spLocks noGrp="1"/>
+          </p:cNvSpPr>
+          <p:nvPr>
+            <p:ph type="subTitle" idx="1"/>
+          </p:nvPr>
+        </p:nvSpPr>
+        <p:spPr>
+          <a:xfrm>
+            <a:off x="1523802" y="1242213"/>
+            <a:ext cx="9142810" cy="4435775"/>
+          </a:xfrm>
+        </p:spPr>
+        <p:txBody>
+          <a:bodyPr/>
+          <a:lstStyle/>
+          <a:p>
+            <a:pPr marL="800054" lvl="1" indent="-342900" algn="l">
+              <a:buFont typeface="Arial" panose="020B0604020202020204" pitchFamily="34" charset="0"/>
+              <a:buChar char="•"/>
+            </a:pPr>
+            <a:endParaRPr lang="en-US" dirty="0"/>
+          </a:p>
+          <a:p>
+            <a:pPr marL="800054" lvl="1" indent="-342900" algn="l">
+              <a:buFont typeface="Arial" panose="020B0604020202020204" pitchFamily="34" charset="0"/>
+              <a:buChar char="•"/>
+            </a:pPr>
+            <a:r>
+              <a:rPr lang="en-US" dirty="0"/>
+              <a:t>“Fit Bayesian generalized (non-)linear multivariate multilevel models using ‘Stan’ for full Bayesian inference.”</a:t>
+            </a:r>
+          </a:p>
+          <a:p>
+            <a:pPr lvl="1" algn="l"/>
+            <a:endParaRPr lang="en-US" dirty="0"/>
+          </a:p>
+          <a:p>
+            <a:pPr marL="800054" lvl="1" indent="-342900" algn="l">
+              <a:buFont typeface="Arial" panose="020B0604020202020204" pitchFamily="34" charset="0"/>
+              <a:buChar char="•"/>
+            </a:pPr>
+            <a:r>
+              <a:rPr lang="en-US" dirty="0"/>
+              <a:t>Uses familiar R notation for models (lm, </a:t>
+            </a:r>
+            <a:r>
+              <a:rPr lang="en-US" dirty="0" err="1"/>
+              <a:t>glm</a:t>
+            </a:r>
+            <a:r>
+              <a:rPr lang="en-US" dirty="0"/>
+              <a:t>, </a:t>
+            </a:r>
+            <a:r>
+              <a:rPr lang="en-US" dirty="0" err="1"/>
+              <a:t>lmer</a:t>
+            </a:r>
+            <a:r>
+              <a:rPr lang="en-US" dirty="0"/>
+              <a:t>, </a:t>
+            </a:r>
+            <a:r>
+              <a:rPr lang="en-US" dirty="0" err="1"/>
+              <a:t>etc</a:t>
+            </a:r>
+            <a:r>
+              <a:rPr lang="en-US" dirty="0"/>
+              <a:t>)</a:t>
+            </a:r>
+          </a:p>
+          <a:p>
+            <a:pPr lvl="1" algn="l"/>
+            <a:endParaRPr lang="en-US" dirty="0"/>
+          </a:p>
+          <a:p>
+            <a:pPr marL="800054" lvl="1" indent="-342900" algn="l">
+              <a:buFont typeface="Arial" panose="020B0604020202020204" pitchFamily="34" charset="0"/>
+              <a:buChar char="•"/>
+            </a:pPr>
+            <a:r>
+              <a:rPr lang="en-US" dirty="0"/>
+              <a:t>Nicer output formatting</a:t>
+            </a:r>
+          </a:p>
+          <a:p>
+            <a:pPr marL="800054" lvl="1" indent="-342900" algn="l">
+              <a:buFont typeface="Arial" panose="020B0604020202020204" pitchFamily="34" charset="0"/>
+              <a:buChar char="•"/>
+            </a:pPr>
+            <a:endParaRPr lang="en-US" dirty="0"/>
+          </a:p>
+          <a:p>
+            <a:pPr marL="800054" lvl="1" indent="-342900" algn="l">
+              <a:buFont typeface="Arial" panose="020B0604020202020204" pitchFamily="34" charset="0"/>
+              <a:buChar char="•"/>
+            </a:pPr>
+            <a:r>
+              <a:rPr lang="en-US" dirty="0"/>
+              <a:t>Note: data argument must </a:t>
+            </a:r>
+            <a:r>
+              <a:rPr lang="en-US" b="1" u="sng" dirty="0"/>
+              <a:t>always</a:t>
+            </a:r>
+            <a:r>
+              <a:rPr lang="en-US" dirty="0"/>
+              <a:t> be supplied, unlike functions like </a:t>
+            </a:r>
+            <a:r>
+              <a:rPr lang="en-US" dirty="0" err="1"/>
+              <a:t>lm</a:t>
+            </a:r>
+            <a:endParaRPr lang="en-US" dirty="0"/>
+          </a:p>
+        </p:txBody>
+      </p:sp>
+      <p:sp>
+        <p:nvSpPr>
+          <p:cNvPr id="6" name="Footer Placeholder 5"/>
+          <p:cNvSpPr>
+            <a:spLocks noGrp="1"/>
+          </p:cNvSpPr>
+          <p:nvPr>
+            <p:ph type="ftr" sz="quarter" idx="11"/>
+          </p:nvPr>
+        </p:nvSpPr>
+        <p:spPr/>
+        <p:txBody>
+          <a:bodyPr/>
+          <a:lstStyle/>
+          <a:p>
+            <a:r>
+              <a:rPr lang="en-US"/>
+              <a:t>/// September 2020</a:t>
+            </a:r>
+            <a:endParaRPr lang="en-US" dirty="0"/>
+          </a:p>
+        </p:txBody>
+      </p:sp>
+      <p:sp>
+        <p:nvSpPr>
+          <p:cNvPr id="9" name="Slide Number Placeholder 8"/>
+          <p:cNvSpPr>
+            <a:spLocks noGrp="1"/>
+          </p:cNvSpPr>
+          <p:nvPr>
+            <p:ph type="sldNum" sz="quarter" idx="12"/>
+          </p:nvPr>
+        </p:nvSpPr>
+        <p:spPr/>
+        <p:txBody>
+          <a:bodyPr/>
+          <a:lstStyle/>
+          <a:p>
+            <a:fld id="{FBEEB210-EB46-467B-A6E6-3AD757A66A9A}" type="slidenum">
+              <a:rPr lang="en-US" smtClean="0"/>
+              <a:t>15</a:t>
+            </a:fld>
+            <a:endParaRPr lang="en-US"/>
+          </a:p>
+        </p:txBody>
+      </p:sp>
+    </p:spTree>
+    <p:extLst>
+      <p:ext uri="{BB962C8B-B14F-4D97-AF65-F5344CB8AC3E}">
+        <p14:creationId xmlns:p14="http://schemas.microsoft.com/office/powerpoint/2010/main" val="261533797"/>
+      </p:ext>
+    </p:extLst>
+  </p:cSld>
+  <p:clrMapOvr>
+    <a:masterClrMapping/>
+  </p:clrMapOvr>
+</p:sld>
+</file>
+
+<file path=ppt/slides/slide16.xml><?xml version="1.0" encoding="utf-8"?>
+<p:sld xmlns:a="http://schemas.openxmlformats.org/drawingml/2006/main" xmlns:r="http://schemas.openxmlformats.org/officeDocument/2006/relationships" xmlns:p="http://schemas.openxmlformats.org/presentationml/2006/main">
+  <p:cSld>
+    <p:spTree>
+      <p:nvGrpSpPr>
+        <p:cNvPr id="1" name=""/>
+        <p:cNvGrpSpPr/>
+        <p:nvPr/>
+      </p:nvGrpSpPr>
+      <p:grpSpPr>
+        <a:xfrm>
+          <a:off x="0" y="0"/>
+          <a:ext cx="0" cy="0"/>
+          <a:chOff x="0" y="0"/>
+          <a:chExt cx="0" cy="0"/>
+        </a:xfrm>
+      </p:grpSpPr>
+      <p:sp>
+        <p:nvSpPr>
+          <p:cNvPr id="11" name="Title 10"/>
+          <p:cNvSpPr>
+            <a:spLocks noGrp="1"/>
+          </p:cNvSpPr>
+          <p:nvPr>
+            <p:ph type="ctrTitle"/>
+          </p:nvPr>
+        </p:nvSpPr>
+        <p:spPr>
+          <a:xfrm>
+            <a:off x="1523802" y="326771"/>
+            <a:ext cx="9142810" cy="915443"/>
+          </a:xfrm>
+        </p:spPr>
+        <p:txBody>
+          <a:bodyPr/>
+          <a:lstStyle/>
+          <a:p>
+            <a:r>
+              <a:rPr lang="en-US" dirty="0" err="1"/>
+              <a:t>rstanarm</a:t>
+            </a:r>
+            <a:r>
+              <a:rPr lang="en-US" dirty="0"/>
+              <a:t> package</a:t>
+            </a:r>
+          </a:p>
+        </p:txBody>
+      </p:sp>
+      <p:sp>
+        <p:nvSpPr>
+          <p:cNvPr id="10" name="Subtitle 9"/>
+          <p:cNvSpPr>
+            <a:spLocks noGrp="1"/>
+          </p:cNvSpPr>
+          <p:nvPr>
+            <p:ph type="subTitle" idx="1"/>
+          </p:nvPr>
+        </p:nvSpPr>
+        <p:spPr>
+          <a:xfrm>
+            <a:off x="1523802" y="1242213"/>
+            <a:ext cx="9142810" cy="4435775"/>
+          </a:xfrm>
+        </p:spPr>
+        <p:txBody>
+          <a:bodyPr/>
+          <a:lstStyle/>
+          <a:p>
+            <a:pPr marL="800054" lvl="1" indent="-342900" algn="l">
+              <a:buFont typeface="Arial" panose="020B0604020202020204" pitchFamily="34" charset="0"/>
+              <a:buChar char="•"/>
+            </a:pPr>
+            <a:endParaRPr lang="en-US" dirty="0"/>
+          </a:p>
+          <a:p>
+            <a:pPr marL="800054" lvl="1" indent="-342900" algn="l">
+              <a:buFont typeface="Arial" panose="020B0604020202020204" pitchFamily="34" charset="0"/>
+              <a:buChar char="•"/>
+            </a:pPr>
+            <a:r>
+              <a:rPr lang="en-US" dirty="0"/>
+              <a:t>“Estimates previously compiled regression models using the 'rstan' package.”</a:t>
+            </a:r>
+          </a:p>
+          <a:p>
+            <a:pPr lvl="1" algn="l"/>
+            <a:endParaRPr lang="en-US" dirty="0"/>
+          </a:p>
+          <a:p>
+            <a:pPr marL="800054" lvl="1" indent="-342900" algn="l">
+              <a:buFont typeface="Arial" panose="020B0604020202020204" pitchFamily="34" charset="0"/>
+              <a:buChar char="•"/>
+            </a:pPr>
+            <a:r>
+              <a:rPr lang="en-US" dirty="0"/>
+              <a:t>Uses familiar R notation for models, but not as familiar</a:t>
+            </a:r>
+          </a:p>
+          <a:p>
+            <a:pPr lvl="1" algn="l"/>
+            <a:endParaRPr lang="en-US" dirty="0"/>
+          </a:p>
+          <a:p>
+            <a:pPr marL="800054" lvl="1" indent="-342900" algn="l">
+              <a:buFont typeface="Arial" panose="020B0604020202020204" pitchFamily="34" charset="0"/>
+              <a:buChar char="•"/>
+            </a:pPr>
+            <a:r>
+              <a:rPr lang="en-US" dirty="0"/>
+              <a:t>Plays a little nicer with rstan functions</a:t>
+            </a:r>
+          </a:p>
+        </p:txBody>
+      </p:sp>
+      <p:sp>
+        <p:nvSpPr>
+          <p:cNvPr id="6" name="Footer Placeholder 5"/>
+          <p:cNvSpPr>
+            <a:spLocks noGrp="1"/>
+          </p:cNvSpPr>
+          <p:nvPr>
+            <p:ph type="ftr" sz="quarter" idx="11"/>
+          </p:nvPr>
+        </p:nvSpPr>
+        <p:spPr/>
+        <p:txBody>
+          <a:bodyPr/>
+          <a:lstStyle/>
+          <a:p>
+            <a:r>
+              <a:rPr lang="en-US"/>
+              <a:t>/// September 2020</a:t>
+            </a:r>
+            <a:endParaRPr lang="en-US" dirty="0"/>
+          </a:p>
+        </p:txBody>
+      </p:sp>
+      <p:sp>
+        <p:nvSpPr>
+          <p:cNvPr id="9" name="Slide Number Placeholder 8"/>
+          <p:cNvSpPr>
+            <a:spLocks noGrp="1"/>
+          </p:cNvSpPr>
+          <p:nvPr>
+            <p:ph type="sldNum" sz="quarter" idx="12"/>
+          </p:nvPr>
+        </p:nvSpPr>
+        <p:spPr/>
+        <p:txBody>
+          <a:bodyPr/>
+          <a:lstStyle/>
+          <a:p>
+            <a:fld id="{FBEEB210-EB46-467B-A6E6-3AD757A66A9A}" type="slidenum">
+              <a:rPr lang="en-US" smtClean="0"/>
+              <a:t>16</a:t>
+            </a:fld>
+            <a:endParaRPr lang="en-US"/>
+          </a:p>
+        </p:txBody>
+      </p:sp>
+    </p:spTree>
+    <p:extLst>
+      <p:ext uri="{BB962C8B-B14F-4D97-AF65-F5344CB8AC3E}">
+        <p14:creationId xmlns:p14="http://schemas.microsoft.com/office/powerpoint/2010/main" val="1692044209"/>
+      </p:ext>
+    </p:extLst>
+  </p:cSld>
+  <p:clrMapOvr>
+    <a:masterClrMapping/>
+  </p:clrMapOvr>
+</p:sld>
+</file>
+
+<file path=ppt/slides/slide17.xml><?xml version="1.0" encoding="utf-8"?>
+<p:sld xmlns:a="http://schemas.openxmlformats.org/drawingml/2006/main" xmlns:r="http://schemas.openxmlformats.org/officeDocument/2006/relationships" xmlns:p="http://schemas.openxmlformats.org/presentationml/2006/main">
+  <p:cSld>
+    <p:spTree>
+      <p:nvGrpSpPr>
+        <p:cNvPr id="1" name=""/>
+        <p:cNvGrpSpPr/>
+        <p:nvPr/>
+      </p:nvGrpSpPr>
+      <p:grpSpPr>
+        <a:xfrm>
+          <a:off x="0" y="0"/>
+          <a:ext cx="0" cy="0"/>
+          <a:chOff x="0" y="0"/>
+          <a:chExt cx="0" cy="0"/>
+        </a:xfrm>
+      </p:grpSpPr>
+      <p:sp>
+        <p:nvSpPr>
+          <p:cNvPr id="11" name="Title 10"/>
+          <p:cNvSpPr>
+            <a:spLocks noGrp="1"/>
+          </p:cNvSpPr>
+          <p:nvPr>
+            <p:ph type="ctrTitle"/>
+          </p:nvPr>
+        </p:nvSpPr>
+        <p:spPr>
+          <a:xfrm>
+            <a:off x="1523802" y="326771"/>
+            <a:ext cx="9142810" cy="915443"/>
+          </a:xfrm>
+        </p:spPr>
+        <p:txBody>
+          <a:bodyPr/>
+          <a:lstStyle/>
+          <a:p>
+            <a:r>
+              <a:rPr lang="en-US" dirty="0"/>
+              <a:t>Where to go for help</a:t>
+            </a:r>
+          </a:p>
+        </p:txBody>
+      </p:sp>
+      <p:sp>
+        <p:nvSpPr>
+          <p:cNvPr id="10" name="Subtitle 9"/>
+          <p:cNvSpPr>
+            <a:spLocks noGrp="1"/>
+          </p:cNvSpPr>
+          <p:nvPr>
+            <p:ph type="subTitle" idx="1"/>
+          </p:nvPr>
+        </p:nvSpPr>
+        <p:spPr>
+          <a:xfrm>
+            <a:off x="1523802" y="1242213"/>
+            <a:ext cx="9142810" cy="4435775"/>
+          </a:xfrm>
+        </p:spPr>
+        <p:txBody>
+          <a:bodyPr/>
+          <a:lstStyle/>
+          <a:p>
+            <a:pPr marL="800054" lvl="1" indent="-342900" algn="l">
+              <a:buFont typeface="Arial" panose="020B0604020202020204" pitchFamily="34" charset="0"/>
+              <a:buChar char="•"/>
+            </a:pPr>
+            <a:endParaRPr lang="en-US" dirty="0"/>
+          </a:p>
+          <a:p>
+            <a:pPr marL="800054" lvl="1" indent="-342900" algn="l">
+              <a:buFont typeface="Arial" panose="020B0604020202020204" pitchFamily="34" charset="0"/>
+              <a:buChar char="•"/>
+            </a:pPr>
+            <a:r>
+              <a:rPr lang="en-US" dirty="0"/>
+              <a:t>Stan User's Guide: </a:t>
+            </a:r>
+            <a:r>
+              <a:rPr lang="en-US" dirty="0">
+                <a:hlinkClick r:id="rId2"/>
+              </a:rPr>
+              <a:t>https://mc-stan.org/docs/2_19/stan-users-guide/index.html</a:t>
+            </a:r>
+            <a:endParaRPr lang="en-US" dirty="0"/>
+          </a:p>
+          <a:p>
+            <a:pPr marL="800054" lvl="1" indent="-342900" algn="l">
+              <a:buFont typeface="Arial" panose="020B0604020202020204" pitchFamily="34" charset="0"/>
+              <a:buChar char="•"/>
+            </a:pPr>
+            <a:endParaRPr lang="en-US" dirty="0"/>
+          </a:p>
+          <a:p>
+            <a:pPr marL="800054" lvl="1" indent="-342900" algn="l">
+              <a:buFont typeface="Arial" panose="020B0604020202020204" pitchFamily="34" charset="0"/>
+              <a:buChar char="•"/>
+            </a:pPr>
+            <a:r>
+              <a:rPr lang="en-US" dirty="0"/>
+              <a:t>Initialization: </a:t>
+            </a:r>
+            <a:r>
+              <a:rPr lang="en-US" dirty="0">
+                <a:hlinkClick r:id="rId3"/>
+              </a:rPr>
+              <a:t>https://github.com/stan-dev/rstan/wiki/RStan-Getting-Started</a:t>
+            </a:r>
+            <a:endParaRPr lang="en-US" dirty="0"/>
+          </a:p>
+          <a:p>
+            <a:pPr marL="800054" lvl="1" indent="-342900" algn="l">
+              <a:buFont typeface="Arial" panose="020B0604020202020204" pitchFamily="34" charset="0"/>
+              <a:buChar char="•"/>
+            </a:pPr>
+            <a:endParaRPr lang="en-US" dirty="0"/>
+          </a:p>
+          <a:p>
+            <a:pPr marL="800054" lvl="1" indent="-342900" algn="l">
+              <a:buFont typeface="Arial" panose="020B0604020202020204" pitchFamily="34" charset="0"/>
+              <a:buChar char="•"/>
+            </a:pPr>
+            <a:r>
+              <a:rPr lang="en-US" dirty="0"/>
+              <a:t>Reference Manual: </a:t>
+            </a:r>
+            <a:r>
+              <a:rPr lang="en-US" dirty="0">
+                <a:hlinkClick r:id="rId4"/>
+              </a:rPr>
+              <a:t>https://mc-stan.org/docs/2_19/reference-manual/index.html#overview</a:t>
+            </a:r>
+            <a:endParaRPr lang="en-US" dirty="0"/>
+          </a:p>
+          <a:p>
+            <a:pPr marL="800054" lvl="1" indent="-342900" algn="l">
+              <a:buFont typeface="Arial" panose="020B0604020202020204" pitchFamily="34" charset="0"/>
+              <a:buChar char="•"/>
+            </a:pPr>
+            <a:endParaRPr lang="en-US" dirty="0"/>
+          </a:p>
+          <a:p>
+            <a:pPr marL="800054" lvl="1" indent="-342900" algn="l">
+              <a:buFont typeface="Arial" panose="020B0604020202020204" pitchFamily="34" charset="0"/>
+              <a:buChar char="•"/>
+            </a:pPr>
+            <a:r>
               <a:rPr lang="en-US" dirty="0" err="1"/>
               <a:t>rstanarm</a:t>
             </a:r>
@@ -6578,9 +7782,10 @@
           <a:lstStyle/>
           <a:p>
             <a:r>
-              <a:rPr lang="en-US" dirty="0"/>
-              <a:t>/// July 2019</a:t>
-            </a:r>
+              <a:rPr lang="en-US"/>
+              <a:t>/// September 2020</a:t>
+            </a:r>
+            <a:endParaRPr lang="en-US" dirty="0"/>
           </a:p>
         </p:txBody>
       </p:sp>
@@ -6601,7 +7806,7 @@
           <a:p>
             <a:fld id="{FBEEB210-EB46-467B-A6E6-3AD757A66A9A}" type="slidenum">
               <a:rPr lang="en-US" smtClean="0"/>
-              <a:t>11</a:t>
+              <a:t>17</a:t>
             </a:fld>
             <a:endParaRPr lang="en-US"/>
           </a:p>
@@ -6700,7 +7905,15 @@
             </a:pPr>
             <a:r>
               <a:rPr lang="en-US" dirty="0"/>
-              <a:t>Bayesian inference with MCMC samplings via NUTS, HMC</a:t>
+              <a:t>Bayesian inference with MCMC samplings via NUTS, HMC (No-</a:t>
+            </a:r>
+            <a:r>
+              <a:rPr lang="en-US" dirty="0" err="1"/>
+              <a:t>u-turns</a:t>
+            </a:r>
+            <a:r>
+              <a:rPr lang="en-US" dirty="0"/>
+              <a:t> Hamiltonian Monte Carlo)</a:t>
             </a:r>
           </a:p>
           <a:p>
@@ -6710,7 +7923,7 @@
             </a:pPr>
             <a:r>
               <a:rPr lang="en-US" dirty="0"/>
-              <a:t>Approximate Bayesian inference with vibrational inference</a:t>
+              <a:t>Approximate Bayesian inference with variational inference</a:t>
             </a:r>
           </a:p>
           <a:p>
@@ -6764,8 +7977,13 @@
             </a:pPr>
             <a:r>
               <a:rPr lang="en-US" dirty="0"/>
-              <a:t>The same files can be run in python</a:t>
-            </a:r>
+              <a:t>The same files can be run in python, shell, MATLAB, </a:t>
+            </a:r>
+            <a:r>
+              <a:rPr lang="en-US" dirty="0" err="1"/>
+              <a:t>etc</a:t>
+            </a:r>
+            <a:endParaRPr lang="en-US" dirty="0"/>
           </a:p>
         </p:txBody>
       </p:sp>
@@ -6786,7 +8004,7 @@
           <a:p>
             <a:r>
               <a:rPr lang="en-US" dirty="0"/>
-              <a:t>/// July 2019</a:t>
+              <a:t>/// September 2020</a:t>
             </a:r>
           </a:p>
         </p:txBody>
@@ -6986,9 +8204,10 @@
           <a:lstStyle/>
           <a:p>
             <a:r>
-              <a:rPr lang="en-US" dirty="0"/>
-              <a:t>/// July 2019</a:t>
-            </a:r>
+              <a:rPr lang="en-US"/>
+              <a:t>/// September 2020</a:t>
+            </a:r>
+            <a:endParaRPr lang="en-US" dirty="0"/>
           </a:p>
         </p:txBody>
       </p:sp>
@@ -7196,9 +8415,10 @@
           <a:lstStyle/>
           <a:p>
             <a:r>
-              <a:rPr lang="en-US" dirty="0"/>
-              <a:t>/// July 2019</a:t>
-            </a:r>
+              <a:rPr lang="en-US"/>
+              <a:t>/// September 2020</a:t>
+            </a:r>
+            <a:endParaRPr lang="en-US" dirty="0"/>
           </a:p>
         </p:txBody>
       </p:sp>
@@ -7419,7 +8639,7 @@
             </a:pPr>
             <a:r>
               <a:rPr lang="en-US" dirty="0"/>
-              <a:t>Allows faster executive time, must may cause problems</a:t>
+              <a:t>Allows faster executive time, must may cause problems (I believe this is no longer recommended for R version 4.0)</a:t>
             </a:r>
           </a:p>
         </p:txBody>
@@ -7440,9 +8660,10 @@
           <a:lstStyle/>
           <a:p>
             <a:r>
-              <a:rPr lang="en-US" dirty="0"/>
-              <a:t>/// July 2019</a:t>
-            </a:r>
+              <a:rPr lang="en-US"/>
+              <a:t>/// September 2020</a:t>
+            </a:r>
+            <a:endParaRPr lang="en-US" dirty="0"/>
           </a:p>
         </p:txBody>
       </p:sp>
@@ -7581,15 +8802,7 @@
             </a:pPr>
             <a:r>
               <a:rPr lang="en-US" dirty="0"/>
-              <a:t>Write your log posterior density in a .</a:t>
-            </a:r>
-            <a:r>
-              <a:rPr lang="en-US" dirty="0" err="1"/>
-              <a:t>stan</a:t>
-            </a:r>
-            <a:r>
-              <a:rPr lang="en-US" dirty="0"/>
-              <a:t> file</a:t>
+              <a:t>Write your model in a .stan file</a:t>
             </a:r>
           </a:p>
           <a:p>
@@ -7655,9 +8868,10 @@
           <a:lstStyle/>
           <a:p>
             <a:r>
-              <a:rPr lang="en-US" dirty="0"/>
-              <a:t>/// July 2019</a:t>
-            </a:r>
+              <a:rPr lang="en-US"/>
+              <a:t>/// September 2020</a:t>
+            </a:r>
+            <a:endParaRPr lang="en-US" dirty="0"/>
           </a:p>
         </p:txBody>
       </p:sp>
@@ -7736,7 +8950,7 @@
           <a:p>
             <a:r>
               <a:rPr lang="en-US" dirty="0"/>
-              <a:t>Rules/Common Problems</a:t>
+              <a:t>.stan file</a:t>
             </a:r>
           </a:p>
         </p:txBody>
@@ -7765,7 +8979,10 @@
               <a:buFont typeface="Arial" panose="020B0604020202020204" pitchFamily="34" charset="0"/>
               <a:buChar char="•"/>
             </a:pPr>
-            <a:endParaRPr lang="en-US" dirty="0"/>
+            <a:r>
+              <a:rPr lang="en-US" dirty="0"/>
+              <a:t>A .stan file entirely specifies your Bayesian model</a:t>
+            </a:r>
           </a:p>
           <a:p>
             <a:pPr marL="800054" lvl="1" indent="-342900" algn="l">
@@ -7774,55 +8991,88 @@
             </a:pPr>
             <a:r>
               <a:rPr lang="en-US" dirty="0"/>
-              <a:t>Stan files must always end with a blank line</a:t>
-            </a:r>
-          </a:p>
-          <a:p>
-            <a:pPr lvl="1" algn="l"/>
-            <a:endParaRPr lang="en-US" dirty="0"/>
+              <a:t>There are three required components:</a:t>
+            </a:r>
           </a:p>
           <a:p>
             <a:pPr marL="800054" lvl="1" indent="-342900" algn="l">
               <a:buFont typeface="Arial" panose="020B0604020202020204" pitchFamily="34" charset="0"/>
               <a:buChar char="•"/>
             </a:pPr>
+            <a:endParaRPr lang="en-US" dirty="0"/>
+          </a:p>
+          <a:p>
+            <a:pPr marL="914354" lvl="1" indent="-457200" algn="l">
+              <a:buFont typeface="+mj-lt"/>
+              <a:buAutoNum type="arabicPeriod"/>
+            </a:pPr>
             <a:r>
               <a:rPr lang="en-US" dirty="0"/>
-              <a:t>Stan files need to have a “data”, “parameters”, and “model” chunk</a:t>
-            </a:r>
-          </a:p>
-          <a:p>
-            <a:pPr marL="1257209" lvl="2" indent="-342900" algn="l">
+              <a:t>“data” block</a:t>
+            </a:r>
+          </a:p>
+          <a:p>
+            <a:pPr marL="1371509" lvl="2" indent="-457200" algn="l">
               <a:buFont typeface="Arial" panose="020B0604020202020204" pitchFamily="34" charset="0"/>
               <a:buChar char="•"/>
             </a:pPr>
             <a:r>
               <a:rPr lang="en-US" dirty="0"/>
-              <a:t>Can also have “transformed parameters”, “functions”, and “generated quantities”, “transformed data”, and maybe a few others</a:t>
-            </a:r>
-          </a:p>
-          <a:p>
-            <a:pPr lvl="2" algn="l"/>
-            <a:endParaRPr lang="en-US" dirty="0"/>
-          </a:p>
-          <a:p>
-            <a:pPr marL="800054" lvl="1" indent="-342900" algn="l">
+              <a:t>Specify all observed data in the model, including the dimensions of the data and parameters</a:t>
+            </a:r>
+          </a:p>
+          <a:p>
+            <a:pPr marL="1371509" lvl="2" indent="-457200" algn="l">
               <a:buFont typeface="Arial" panose="020B0604020202020204" pitchFamily="34" charset="0"/>
               <a:buChar char="•"/>
             </a:pPr>
+            <a:endParaRPr lang="en-US" dirty="0"/>
+          </a:p>
+          <a:p>
+            <a:pPr marL="914354" lvl="1" indent="-457200" algn="l">
+              <a:buFont typeface="+mj-lt"/>
+              <a:buAutoNum type="arabicPeriod"/>
+            </a:pPr>
             <a:r>
               <a:rPr lang="en-US" dirty="0"/>
-              <a:t>Always declare the dimensions and support for variables</a:t>
-            </a:r>
-          </a:p>
-          <a:p>
-            <a:pPr marL="1257209" lvl="2" indent="-342900" algn="l">
+              <a:t>“parameters” block</a:t>
+            </a:r>
+          </a:p>
+          <a:p>
+            <a:pPr marL="1371509" lvl="2" indent="-457200" algn="l">
               <a:buFont typeface="Arial" panose="020B0604020202020204" pitchFamily="34" charset="0"/>
               <a:buChar char="•"/>
             </a:pPr>
             <a:r>
               <a:rPr lang="en-US" dirty="0"/>
-              <a:t>Ex: real&lt;lower=L, upper=U&gt; y[N]</a:t>
+              <a:t>Specify all parameters you want to sample</a:t>
+            </a:r>
+          </a:p>
+          <a:p>
+            <a:pPr marL="1371509" lvl="2" indent="-457200" algn="l">
+              <a:buFont typeface="Arial" panose="020B0604020202020204" pitchFamily="34" charset="0"/>
+              <a:buChar char="•"/>
+            </a:pPr>
+            <a:endParaRPr lang="en-US" dirty="0"/>
+          </a:p>
+          <a:p>
+            <a:pPr marL="914354" lvl="1" indent="-457200" algn="l">
+              <a:buFont typeface="+mj-lt"/>
+              <a:buAutoNum type="arabicPeriod"/>
+            </a:pPr>
+            <a:r>
+              <a:rPr lang="en-US" dirty="0"/>
+              <a:t>“model” block</a:t>
+            </a:r>
+          </a:p>
+          <a:p>
+            <a:pPr marL="1371509" lvl="2" indent="-457200" algn="l">
+              <a:buFont typeface="Arial" panose="020B0604020202020204" pitchFamily="34" charset="0"/>
+              <a:buChar char="•"/>
+            </a:pPr>
+            <a:r>
+              <a:rPr lang="en-US" dirty="0"/>
+              <a:t>Specify the priors on your parameters and distributions on your data</a:t>
             </a:r>
           </a:p>
         </p:txBody>
@@ -7843,9 +9093,10 @@
           <a:lstStyle/>
           <a:p>
             <a:r>
-              <a:rPr lang="en-US" dirty="0"/>
-              <a:t>/// July 2019</a:t>
-            </a:r>
+              <a:rPr lang="en-US"/>
+              <a:t>/// September 2020</a:t>
+            </a:r>
+            <a:endParaRPr lang="en-US" dirty="0"/>
           </a:p>
         </p:txBody>
       </p:sp>
@@ -7875,7 +9126,7 @@
     </p:spTree>
     <p:extLst>
       <p:ext uri="{BB962C8B-B14F-4D97-AF65-F5344CB8AC3E}">
-        <p14:creationId xmlns:p14="http://schemas.microsoft.com/office/powerpoint/2010/main" val="1391258848"/>
+        <p14:creationId xmlns:p14="http://schemas.microsoft.com/office/powerpoint/2010/main" val="3517953228"/>
       </p:ext>
     </p:extLst>
   </p:cSld>
@@ -7924,91 +9175,446 @@
           <a:p>
             <a:r>
               <a:rPr lang="en-US" dirty="0"/>
-              <a:t>rstan package</a:t>
-            </a:r>
-          </a:p>
-        </p:txBody>
-      </p:sp>
-      <p:sp>
-        <p:nvSpPr>
-          <p:cNvPr id="10" name="Subtitle 9"/>
-          <p:cNvSpPr>
-            <a:spLocks noGrp="1"/>
-          </p:cNvSpPr>
-          <p:nvPr>
-            <p:ph type="subTitle" idx="1"/>
-          </p:nvPr>
-        </p:nvSpPr>
-        <p:spPr>
-          <a:xfrm>
-            <a:off x="1523802" y="1242213"/>
-            <a:ext cx="9142810" cy="4435775"/>
-          </a:xfrm>
-        </p:spPr>
-        <p:txBody>
-          <a:bodyPr/>
-          <a:lstStyle/>
-          <a:p>
-            <a:pPr marL="800054" lvl="1" indent="-342900" algn="l">
-              <a:buFont typeface="Arial" panose="020B0604020202020204" pitchFamily="34" charset="0"/>
-              <a:buChar char="•"/>
-            </a:pPr>
-            <a:endParaRPr lang="en-US" sz="2400" dirty="0"/>
-          </a:p>
-          <a:p>
-            <a:pPr marL="800054" lvl="1" indent="-342900" algn="l">
-              <a:buFont typeface="Arial" panose="020B0604020202020204" pitchFamily="34" charset="0"/>
-              <a:buChar char="•"/>
-            </a:pPr>
-            <a:r>
-              <a:rPr lang="en-US" sz="2400" dirty="0"/>
-              <a:t>Rstan does a lot of things that we won’t cover</a:t>
-            </a:r>
-          </a:p>
-          <a:p>
-            <a:pPr lvl="1" algn="l"/>
-            <a:endParaRPr lang="en-US" sz="2400" dirty="0"/>
-          </a:p>
-          <a:p>
-            <a:pPr marL="1257209" lvl="2" indent="-342900" algn="l">
-              <a:buFont typeface="Arial" panose="020B0604020202020204" pitchFamily="34" charset="0"/>
-              <a:buChar char="•"/>
-            </a:pPr>
-            <a:r>
-              <a:rPr lang="en-US" sz="2400" dirty="0"/>
-              <a:t>Solving Algebraic Equations</a:t>
-            </a:r>
-          </a:p>
-          <a:p>
-            <a:pPr lvl="2" algn="l"/>
-            <a:endParaRPr lang="en-US" sz="2400" dirty="0"/>
-          </a:p>
-          <a:p>
-            <a:pPr marL="1257209" lvl="2" indent="-342900" algn="l">
-              <a:buFont typeface="Arial" panose="020B0604020202020204" pitchFamily="34" charset="0"/>
-              <a:buChar char="•"/>
-            </a:pPr>
-            <a:r>
-              <a:rPr lang="en-US" sz="2400" dirty="0"/>
-              <a:t>Ordinary Differential Equations</a:t>
-            </a:r>
-          </a:p>
-          <a:p>
-            <a:pPr lvl="2" algn="l"/>
-            <a:endParaRPr lang="en-US" sz="2400" dirty="0"/>
-          </a:p>
-          <a:p>
-            <a:pPr marL="1257209" lvl="2" indent="-342900" algn="l">
-              <a:buFont typeface="Arial" panose="020B0604020202020204" pitchFamily="34" charset="0"/>
-              <a:buChar char="•"/>
-            </a:pPr>
-            <a:r>
-              <a:rPr lang="en-US" sz="2400" dirty="0"/>
-              <a:t>One Dimensional Integrals</a:t>
-            </a:r>
-          </a:p>
-        </p:txBody>
-      </p:sp>
+              <a:t>Example Problem</a:t>
+            </a:r>
+          </a:p>
+        </p:txBody>
+      </p:sp>
+      <mc:AlternateContent xmlns:mc="http://schemas.openxmlformats.org/markup-compatibility/2006">
+        <mc:Choice xmlns:a14="http://schemas.microsoft.com/office/drawing/2010/main" Requires="a14">
+          <p:sp>
+            <p:nvSpPr>
+              <p:cNvPr id="10" name="Subtitle 9"/>
+              <p:cNvSpPr>
+                <a:spLocks noGrp="1"/>
+              </p:cNvSpPr>
+              <p:nvPr>
+                <p:ph type="subTitle" idx="1"/>
+              </p:nvPr>
+            </p:nvSpPr>
+            <p:spPr>
+              <a:xfrm>
+                <a:off x="1523802" y="1242213"/>
+                <a:ext cx="9142810" cy="4435775"/>
+              </a:xfrm>
+            </p:spPr>
+            <p:txBody>
+              <a:bodyPr/>
+              <a:lstStyle/>
+              <a:p>
+                <a:pPr lvl="1" algn="l"/>
+                <a:r>
+                  <a:rPr lang="en-US" dirty="0"/>
+                  <a:t>Assume you observe </a:t>
+                </a:r>
+                <a14:m>
+                  <m:oMath xmlns:m="http://schemas.openxmlformats.org/officeDocument/2006/math">
+                    <m:r>
+                      <a:rPr lang="en-US" b="1" i="1" smtClean="0">
+                        <a:latin typeface="Cambria Math" panose="02040503050406030204" pitchFamily="18" charset="0"/>
+                      </a:rPr>
+                      <m:t>𝒀</m:t>
+                    </m:r>
+                    <m:r>
+                      <a:rPr lang="en-US" b="0" i="1" smtClean="0">
+                        <a:latin typeface="Cambria Math" panose="02040503050406030204" pitchFamily="18" charset="0"/>
+                      </a:rPr>
+                      <m:t>=(</m:t>
+                    </m:r>
+                    <m:sSub>
+                      <m:sSubPr>
+                        <m:ctrlPr>
+                          <a:rPr lang="en-US" b="0" i="1" smtClean="0">
+                            <a:latin typeface="Cambria Math" panose="02040503050406030204" pitchFamily="18" charset="0"/>
+                          </a:rPr>
+                        </m:ctrlPr>
+                      </m:sSubPr>
+                      <m:e>
+                        <m:r>
+                          <a:rPr lang="en-US" b="0" i="1" smtClean="0">
+                            <a:latin typeface="Cambria Math" panose="02040503050406030204" pitchFamily="18" charset="0"/>
+                          </a:rPr>
+                          <m:t>𝑦</m:t>
+                        </m:r>
+                      </m:e>
+                      <m:sub>
+                        <m:r>
+                          <a:rPr lang="en-US" b="0" i="1" smtClean="0">
+                            <a:latin typeface="Cambria Math" panose="02040503050406030204" pitchFamily="18" charset="0"/>
+                          </a:rPr>
+                          <m:t>1</m:t>
+                        </m:r>
+                      </m:sub>
+                    </m:sSub>
+                    <m:r>
+                      <a:rPr lang="en-US" b="0" i="1" smtClean="0">
+                        <a:latin typeface="Cambria Math" panose="02040503050406030204" pitchFamily="18" charset="0"/>
+                      </a:rPr>
+                      <m:t>,…, </m:t>
+                    </m:r>
+                    <m:sSub>
+                      <m:sSubPr>
+                        <m:ctrlPr>
+                          <a:rPr lang="en-US" b="0" i="1" smtClean="0">
+                            <a:latin typeface="Cambria Math" panose="02040503050406030204" pitchFamily="18" charset="0"/>
+                          </a:rPr>
+                        </m:ctrlPr>
+                      </m:sSubPr>
+                      <m:e>
+                        <m:r>
+                          <a:rPr lang="en-US" b="0" i="1" smtClean="0">
+                            <a:latin typeface="Cambria Math" panose="02040503050406030204" pitchFamily="18" charset="0"/>
+                          </a:rPr>
+                          <m:t>𝑦</m:t>
+                        </m:r>
+                      </m:e>
+                      <m:sub>
+                        <m:r>
+                          <a:rPr lang="en-US" b="0" i="1" smtClean="0">
+                            <a:latin typeface="Cambria Math" panose="02040503050406030204" pitchFamily="18" charset="0"/>
+                          </a:rPr>
+                          <m:t>𝑁</m:t>
+                        </m:r>
+                      </m:sub>
+                    </m:sSub>
+                    <m:r>
+                      <a:rPr lang="en-US" b="0" i="1" smtClean="0">
+                        <a:latin typeface="Cambria Math" panose="02040503050406030204" pitchFamily="18" charset="0"/>
+                      </a:rPr>
+                      <m:t>)</m:t>
+                    </m:r>
+                  </m:oMath>
+                </a14:m>
+                <a:r>
+                  <a:rPr lang="en-US" dirty="0"/>
+                  <a:t>,  </a:t>
+                </a:r>
+                <a14:m>
+                  <m:oMath xmlns:m="http://schemas.openxmlformats.org/officeDocument/2006/math">
+                    <m:sSub>
+                      <m:sSubPr>
+                        <m:ctrlPr>
+                          <a:rPr lang="en-US" b="0" i="1" dirty="0" smtClean="0">
+                            <a:latin typeface="Cambria Math" panose="02040503050406030204" pitchFamily="18" charset="0"/>
+                          </a:rPr>
+                        </m:ctrlPr>
+                      </m:sSubPr>
+                      <m:e>
+                        <m:r>
+                          <a:rPr lang="en-US" b="0" i="1" dirty="0" smtClean="0">
+                            <a:latin typeface="Cambria Math" panose="02040503050406030204" pitchFamily="18" charset="0"/>
+                          </a:rPr>
+                          <m:t>𝑦</m:t>
+                        </m:r>
+                      </m:e>
+                      <m:sub>
+                        <m:r>
+                          <a:rPr lang="en-US" b="0" i="1" dirty="0" smtClean="0">
+                            <a:latin typeface="Cambria Math" panose="02040503050406030204" pitchFamily="18" charset="0"/>
+                          </a:rPr>
+                          <m:t>𝑖</m:t>
+                        </m:r>
+                      </m:sub>
+                    </m:sSub>
+                    <m:r>
+                      <a:rPr lang="en-US" b="0" i="1" dirty="0" smtClean="0">
+                        <a:latin typeface="Cambria Math" panose="02040503050406030204" pitchFamily="18" charset="0"/>
+                      </a:rPr>
+                      <m:t>∼</m:t>
+                    </m:r>
+                    <m:r>
+                      <a:rPr lang="en-US" b="0" i="1" dirty="0" smtClean="0">
+                        <a:latin typeface="Cambria Math" panose="02040503050406030204" pitchFamily="18" charset="0"/>
+                      </a:rPr>
+                      <m:t>𝐸𝑥𝑝𝑜𝑛𝑒𝑛𝑡𝑖𝑎𝑙</m:t>
+                    </m:r>
+                    <m:d>
+                      <m:dPr>
+                        <m:ctrlPr>
+                          <a:rPr lang="en-US" b="0" i="1" dirty="0" smtClean="0">
+                            <a:latin typeface="Cambria Math" panose="02040503050406030204" pitchFamily="18" charset="0"/>
+                          </a:rPr>
+                        </m:ctrlPr>
+                      </m:dPr>
+                      <m:e>
+                        <m:r>
+                          <a:rPr lang="en-US" b="0" i="1" dirty="0" smtClean="0">
+                            <a:latin typeface="Cambria Math" panose="02040503050406030204" pitchFamily="18" charset="0"/>
+                          </a:rPr>
+                          <m:t>𝜆</m:t>
+                        </m:r>
+                      </m:e>
+                    </m:d>
+                  </m:oMath>
+                </a14:m>
+                <a:endParaRPr lang="en-US" b="0" dirty="0"/>
+              </a:p>
+              <a:p>
+                <a:pPr lvl="1" algn="l"/>
+                <a:endParaRPr lang="en-US" dirty="0"/>
+              </a:p>
+              <a:p>
+                <a:pPr lvl="1" algn="l"/>
+                <a:r>
+                  <a:rPr lang="en-US" dirty="0"/>
+                  <a:t>You place a half-normal prior on </a:t>
+                </a:r>
+                <a14:m>
+                  <m:oMath xmlns:m="http://schemas.openxmlformats.org/officeDocument/2006/math">
+                    <m:r>
+                      <a:rPr lang="en-US" b="0" i="1" dirty="0" smtClean="0">
+                        <a:latin typeface="Cambria Math" panose="02040503050406030204" pitchFamily="18" charset="0"/>
+                      </a:rPr>
+                      <m:t>𝜇</m:t>
+                    </m:r>
+                  </m:oMath>
+                </a14:m>
+                <a:r>
+                  <a:rPr lang="en-US" dirty="0"/>
+                  <a:t> with standard deviation 10, i.e.</a:t>
+                </a:r>
+              </a:p>
+              <a:p>
+                <a:pPr lvl="1" algn="l"/>
+                <a14:m>
+                  <m:oMathPara xmlns:m="http://schemas.openxmlformats.org/officeDocument/2006/math">
+                    <m:oMathParaPr>
+                      <m:jc m:val="centerGroup"/>
+                    </m:oMathParaPr>
+                    <m:oMath xmlns:m="http://schemas.openxmlformats.org/officeDocument/2006/math">
+                      <m:r>
+                        <a:rPr lang="en-US" b="0" i="1" smtClean="0">
+                          <a:latin typeface="Cambria Math" panose="02040503050406030204" pitchFamily="18" charset="0"/>
+                        </a:rPr>
+                        <m:t>𝜋</m:t>
+                      </m:r>
+                      <m:d>
+                        <m:dPr>
+                          <m:ctrlPr>
+                            <a:rPr lang="en-US" b="0" i="1" smtClean="0">
+                              <a:latin typeface="Cambria Math" panose="02040503050406030204" pitchFamily="18" charset="0"/>
+                            </a:rPr>
+                          </m:ctrlPr>
+                        </m:dPr>
+                        <m:e>
+                          <m:r>
+                            <a:rPr lang="en-US" b="0" i="1" smtClean="0">
+                              <a:latin typeface="Cambria Math" panose="02040503050406030204" pitchFamily="18" charset="0"/>
+                            </a:rPr>
+                            <m:t>𝜆</m:t>
+                          </m:r>
+                        </m:e>
+                      </m:d>
+                      <m:r>
+                        <a:rPr lang="en-US" b="0" i="1" smtClean="0">
+                          <a:latin typeface="Cambria Math" panose="02040503050406030204" pitchFamily="18" charset="0"/>
+                        </a:rPr>
+                        <m:t>= </m:t>
+                      </m:r>
+                      <m:f>
+                        <m:fPr>
+                          <m:ctrlPr>
+                            <a:rPr lang="en-US" b="0" i="1" smtClean="0">
+                              <a:latin typeface="Cambria Math" panose="02040503050406030204" pitchFamily="18" charset="0"/>
+                            </a:rPr>
+                          </m:ctrlPr>
+                        </m:fPr>
+                        <m:num>
+                          <m:rad>
+                            <m:radPr>
+                              <m:degHide m:val="on"/>
+                              <m:ctrlPr>
+                                <a:rPr lang="en-US" b="0" i="1" smtClean="0">
+                                  <a:latin typeface="Cambria Math" panose="02040503050406030204" pitchFamily="18" charset="0"/>
+                                </a:rPr>
+                              </m:ctrlPr>
+                            </m:radPr>
+                            <m:deg/>
+                            <m:e>
+                              <m:r>
+                                <a:rPr lang="en-US" b="0" i="1" smtClean="0">
+                                  <a:latin typeface="Cambria Math" panose="02040503050406030204" pitchFamily="18" charset="0"/>
+                                </a:rPr>
+                                <m:t>2</m:t>
+                              </m:r>
+                            </m:e>
+                          </m:rad>
+                        </m:num>
+                        <m:den>
+                          <m:r>
+                            <a:rPr lang="en-US" b="0" i="1" smtClean="0">
+                              <a:latin typeface="Cambria Math" panose="02040503050406030204" pitchFamily="18" charset="0"/>
+                            </a:rPr>
+                            <m:t>10</m:t>
+                          </m:r>
+                          <m:rad>
+                            <m:radPr>
+                              <m:degHide m:val="on"/>
+                              <m:ctrlPr>
+                                <a:rPr lang="en-US" b="0" i="1" smtClean="0">
+                                  <a:latin typeface="Cambria Math" panose="02040503050406030204" pitchFamily="18" charset="0"/>
+                                </a:rPr>
+                              </m:ctrlPr>
+                            </m:radPr>
+                            <m:deg/>
+                            <m:e>
+                              <m:r>
+                                <a:rPr lang="en-US" b="0" i="1" smtClean="0">
+                                  <a:latin typeface="Cambria Math" panose="02040503050406030204" pitchFamily="18" charset="0"/>
+                                </a:rPr>
+                                <m:t>𝜋</m:t>
+                              </m:r>
+                            </m:e>
+                          </m:rad>
+                        </m:den>
+                      </m:f>
+                      <m:func>
+                        <m:funcPr>
+                          <m:ctrlPr>
+                            <a:rPr lang="en-US" b="0" i="1" smtClean="0">
+                              <a:latin typeface="Cambria Math" panose="02040503050406030204" pitchFamily="18" charset="0"/>
+                            </a:rPr>
+                          </m:ctrlPr>
+                        </m:funcPr>
+                        <m:fName>
+                          <m:r>
+                            <m:rPr>
+                              <m:sty m:val="p"/>
+                            </m:rPr>
+                            <a:rPr lang="en-US" b="0" i="0" smtClean="0">
+                              <a:latin typeface="Cambria Math" panose="02040503050406030204" pitchFamily="18" charset="0"/>
+                            </a:rPr>
+                            <m:t>exp</m:t>
+                          </m:r>
+                        </m:fName>
+                        <m:e>
+                          <m:d>
+                            <m:dPr>
+                              <m:ctrlPr>
+                                <a:rPr lang="en-US" b="0" i="1" smtClean="0">
+                                  <a:latin typeface="Cambria Math" panose="02040503050406030204" pitchFamily="18" charset="0"/>
+                                </a:rPr>
+                              </m:ctrlPr>
+                            </m:dPr>
+                            <m:e>
+                              <m:r>
+                                <a:rPr lang="en-US" b="0" i="1" smtClean="0">
+                                  <a:latin typeface="Cambria Math" panose="02040503050406030204" pitchFamily="18" charset="0"/>
+                                </a:rPr>
+                                <m:t>−</m:t>
+                              </m:r>
+                              <m:f>
+                                <m:fPr>
+                                  <m:ctrlPr>
+                                    <a:rPr lang="en-US" b="0" i="1" smtClean="0">
+                                      <a:latin typeface="Cambria Math" panose="02040503050406030204" pitchFamily="18" charset="0"/>
+                                    </a:rPr>
+                                  </m:ctrlPr>
+                                </m:fPr>
+                                <m:num>
+                                  <m:sSup>
+                                    <m:sSupPr>
+                                      <m:ctrlPr>
+                                        <a:rPr lang="en-US" b="0" i="1" smtClean="0">
+                                          <a:latin typeface="Cambria Math" panose="02040503050406030204" pitchFamily="18" charset="0"/>
+                                        </a:rPr>
+                                      </m:ctrlPr>
+                                    </m:sSupPr>
+                                    <m:e>
+                                      <m:r>
+                                        <a:rPr lang="en-US" b="0" i="1" smtClean="0">
+                                          <a:latin typeface="Cambria Math" panose="02040503050406030204" pitchFamily="18" charset="0"/>
+                                        </a:rPr>
+                                        <m:t>𝜆</m:t>
+                                      </m:r>
+                                    </m:e>
+                                    <m:sup>
+                                      <m:r>
+                                        <a:rPr lang="en-US" b="0" i="1" smtClean="0">
+                                          <a:latin typeface="Cambria Math" panose="02040503050406030204" pitchFamily="18" charset="0"/>
+                                        </a:rPr>
+                                        <m:t>2</m:t>
+                                      </m:r>
+                                    </m:sup>
+                                  </m:sSup>
+                                </m:num>
+                                <m:den>
+                                  <m:r>
+                                    <a:rPr lang="en-US" b="0" i="1" smtClean="0">
+                                      <a:latin typeface="Cambria Math" panose="02040503050406030204" pitchFamily="18" charset="0"/>
+                                    </a:rPr>
+                                    <m:t>200</m:t>
+                                  </m:r>
+                                </m:den>
+                              </m:f>
+                            </m:e>
+                          </m:d>
+                        </m:e>
+                      </m:func>
+                      <m:r>
+                        <a:rPr lang="en-US" b="0" i="1" smtClean="0">
+                          <a:latin typeface="Cambria Math" panose="02040503050406030204" pitchFamily="18" charset="0"/>
+                        </a:rPr>
+                        <m:t>, </m:t>
+                      </m:r>
+                      <m:r>
+                        <a:rPr lang="en-US" b="0" i="1" smtClean="0">
+                          <a:latin typeface="Cambria Math" panose="02040503050406030204" pitchFamily="18" charset="0"/>
+                        </a:rPr>
+                        <m:t>𝜆</m:t>
+                      </m:r>
+                      <m:r>
+                        <a:rPr lang="en-US" b="0" i="1" smtClean="0">
+                          <a:latin typeface="Cambria Math" panose="02040503050406030204" pitchFamily="18" charset="0"/>
+                        </a:rPr>
+                        <m:t>≥0</m:t>
+                      </m:r>
+                    </m:oMath>
+                  </m:oMathPara>
+                </a14:m>
+                <a:endParaRPr lang="en-US" dirty="0"/>
+              </a:p>
+            </p:txBody>
+          </p:sp>
+        </mc:Choice>
+        <mc:Fallback>
+          <p:sp>
+            <p:nvSpPr>
+              <p:cNvPr id="10" name="Subtitle 9"/>
+              <p:cNvSpPr>
+                <a:spLocks noGrp="1" noRot="1" noChangeAspect="1" noMove="1" noResize="1" noEditPoints="1" noAdjustHandles="1" noChangeArrowheads="1" noChangeShapeType="1" noTextEdit="1"/>
+              </p:cNvSpPr>
+              <p:nvPr>
+                <p:ph type="subTitle" idx="1"/>
+              </p:nvPr>
+            </p:nvSpPr>
+            <p:spPr>
+              <a:xfrm>
+                <a:off x="1523802" y="1242213"/>
+                <a:ext cx="9142810" cy="4435775"/>
+              </a:xfrm>
+              <a:blipFill>
+                <a:blip r:embed="rId2"/>
+                <a:stretch>
+                  <a:fillRect t="-1513"/>
+                </a:stretch>
+              </a:blipFill>
+            </p:spPr>
+            <p:txBody>
+              <a:bodyPr/>
+              <a:lstStyle/>
+              <a:p>
+                <a:r>
+                  <a:rPr lang="en-US">
+                    <a:noFill/>
+                  </a:rPr>
+                  <a:t> </a:t>
+                </a:r>
+              </a:p>
+            </p:txBody>
+          </p:sp>
+        </mc:Fallback>
+      </mc:AlternateContent>
       <p:sp>
         <p:nvSpPr>
           <p:cNvPr id="6" name="Footer Placeholder 5"/>
@@ -8025,9 +9631,10 @@
           <a:lstStyle/>
           <a:p>
             <a:r>
-              <a:rPr lang="en-US" dirty="0"/>
-              <a:t>/// July 2019</a:t>
-            </a:r>
+              <a:rPr lang="en-US"/>
+              <a:t>/// September 2020</a:t>
+            </a:r>
+            <a:endParaRPr lang="en-US" dirty="0"/>
           </a:p>
         </p:txBody>
       </p:sp>
@@ -8057,7 +9664,7 @@
     </p:spTree>
     <p:extLst>
       <p:ext uri="{BB962C8B-B14F-4D97-AF65-F5344CB8AC3E}">
-        <p14:creationId xmlns:p14="http://schemas.microsoft.com/office/powerpoint/2010/main" val="1536517395"/>
+        <p14:creationId xmlns:p14="http://schemas.microsoft.com/office/powerpoint/2010/main" val="1583043456"/>
       </p:ext>
     </p:extLst>
   </p:cSld>
@@ -8105,12 +9712,8 @@
           <a:lstStyle/>
           <a:p>
             <a:r>
-              <a:rPr lang="en-US" dirty="0" err="1"/>
-              <a:t>brms</a:t>
-            </a:r>
-            <a:r>
               <a:rPr lang="en-US" dirty="0"/>
-              <a:t> package</a:t>
+              <a:t>“data” block</a:t>
             </a:r>
           </a:p>
         </p:txBody>
@@ -8142,113 +9745,66 @@
             <a:endParaRPr lang="en-US" dirty="0"/>
           </a:p>
           <a:p>
-            <a:pPr marL="800054" lvl="1" indent="-342900" algn="l">
-              <a:buFont typeface="Arial" panose="020B0604020202020204" pitchFamily="34" charset="0"/>
-              <a:buChar char="•"/>
-            </a:pPr>
-            <a:r>
-              <a:rPr lang="en-US" dirty="0"/>
-              <a:t>“Fit Bayesian generalized (non-)linear multivariate multilevel models using ‘Stan’ for full Bayesian inference.”</a:t>
-            </a:r>
-          </a:p>
-          <a:p>
             <a:pPr lvl="1" algn="l"/>
             <a:endParaRPr lang="en-US" dirty="0"/>
           </a:p>
           <a:p>
-            <a:pPr marL="800054" lvl="1" indent="-342900" algn="l">
-              <a:buFont typeface="Arial" panose="020B0604020202020204" pitchFamily="34" charset="0"/>
-              <a:buChar char="•"/>
-            </a:pPr>
-            <a:r>
-              <a:rPr lang="en-US" dirty="0"/>
-              <a:t>Uses familiar R notation for models (lm, </a:t>
-            </a:r>
-            <a:r>
-              <a:rPr lang="en-US" dirty="0" err="1"/>
-              <a:t>glm</a:t>
-            </a:r>
-            <a:r>
-              <a:rPr lang="en-US" dirty="0"/>
-              <a:t>, </a:t>
-            </a:r>
-            <a:r>
-              <a:rPr lang="en-US" dirty="0" err="1"/>
-              <a:t>lmer</a:t>
-            </a:r>
-            <a:r>
-              <a:rPr lang="en-US" dirty="0"/>
-              <a:t>, </a:t>
-            </a:r>
-            <a:r>
-              <a:rPr lang="en-US" dirty="0" err="1"/>
-              <a:t>etc</a:t>
-            </a:r>
-            <a:r>
-              <a:rPr lang="en-US" dirty="0"/>
-              <a:t>)</a:t>
-            </a:r>
-          </a:p>
-          <a:p>
             <a:pPr lvl="1" algn="l"/>
+            <a:r>
+              <a:rPr lang="en-US" sz="2800" dirty="0"/>
+              <a:t>data {</a:t>
+            </a:r>
+          </a:p>
+          <a:p>
+            <a:pPr lvl="1" algn="l"/>
+            <a:r>
+              <a:rPr lang="en-US" sz="2800" dirty="0"/>
+              <a:t>	int&lt;lower=0&gt; N; // Declare the dimension of your</a:t>
+            </a:r>
+          </a:p>
+          <a:p>
+            <a:pPr lvl="1" algn="l"/>
+            <a:r>
+              <a:rPr lang="en-US" sz="2800" dirty="0"/>
+              <a:t>			       //observations</a:t>
+            </a:r>
+          </a:p>
+          <a:p>
+            <a:pPr lvl="1" algn="l"/>
+            <a:r>
+              <a:rPr lang="en-US" sz="2800" dirty="0"/>
+              <a:t>	vector[N] y; // Declare your observations</a:t>
+            </a:r>
+          </a:p>
+          <a:p>
+            <a:pPr lvl="1" algn="l"/>
+            <a:r>
+              <a:rPr lang="en-US" sz="2800" dirty="0"/>
+              <a:t>}</a:t>
+            </a:r>
+          </a:p>
+        </p:txBody>
+      </p:sp>
+      <p:sp>
+        <p:nvSpPr>
+          <p:cNvPr id="6" name="Footer Placeholder 5"/>
+          <p:cNvSpPr>
+            <a:spLocks noGrp="1"/>
+          </p:cNvSpPr>
+          <p:nvPr>
+            <p:ph type="ftr" sz="quarter" idx="11"/>
+          </p:nvPr>
+        </p:nvSpPr>
+        <p:spPr/>
+        <p:txBody>
+          <a:bodyPr/>
+          <a:lstStyle/>
+          <a:p>
+            <a:r>
+              <a:rPr lang="en-US"/>
+              <a:t>/// September 2020</a:t>
+            </a:r>
             <a:endParaRPr lang="en-US" dirty="0"/>
-          </a:p>
-          <a:p>
-            <a:pPr marL="800054" lvl="1" indent="-342900" algn="l">
-              <a:buFont typeface="Arial" panose="020B0604020202020204" pitchFamily="34" charset="0"/>
-              <a:buChar char="•"/>
-            </a:pPr>
-            <a:r>
-              <a:rPr lang="en-US" dirty="0"/>
-              <a:t>Nicer output formatting</a:t>
-            </a:r>
-          </a:p>
-          <a:p>
-            <a:pPr marL="800054" lvl="1" indent="-342900" algn="l">
-              <a:buFont typeface="Arial" panose="020B0604020202020204" pitchFamily="34" charset="0"/>
-              <a:buChar char="•"/>
-            </a:pPr>
-            <a:endParaRPr lang="en-US" dirty="0"/>
-          </a:p>
-          <a:p>
-            <a:pPr marL="800054" lvl="1" indent="-342900" algn="l">
-              <a:buFont typeface="Arial" panose="020B0604020202020204" pitchFamily="34" charset="0"/>
-              <a:buChar char="•"/>
-            </a:pPr>
-            <a:r>
-              <a:rPr lang="en-US" dirty="0"/>
-              <a:t>Note: data argument must </a:t>
-            </a:r>
-            <a:r>
-              <a:rPr lang="en-US" b="1" u="sng" dirty="0"/>
-              <a:t>always</a:t>
-            </a:r>
-            <a:r>
-              <a:rPr lang="en-US" dirty="0"/>
-              <a:t> be supplied</a:t>
-            </a:r>
-          </a:p>
-        </p:txBody>
-      </p:sp>
-      <p:sp>
-        <p:nvSpPr>
-          <p:cNvPr id="6" name="Footer Placeholder 5"/>
-          <p:cNvSpPr>
-            <a:spLocks noGrp="1"/>
-          </p:cNvSpPr>
-          <p:nvPr>
-            <p:ph type="ftr" sz="quarter" idx="11"/>
-          </p:nvPr>
-        </p:nvSpPr>
-        <p:spPr/>
-        <p:txBody>
-          <a:bodyPr/>
-          <a:lstStyle/>
-          <a:p>
-            <a:r>
-              <a:rPr lang="en-US" dirty="0"/>
-              <a:t>/// July 2019</a:t>
-            </a:r>
           </a:p>
         </p:txBody>
       </p:sp>
@@ -8278,7 +9834,7 @@
     </p:spTree>
     <p:extLst>
       <p:ext uri="{BB962C8B-B14F-4D97-AF65-F5344CB8AC3E}">
-        <p14:creationId xmlns:p14="http://schemas.microsoft.com/office/powerpoint/2010/main" val="261533797"/>
+        <p14:creationId xmlns:p14="http://schemas.microsoft.com/office/powerpoint/2010/main" val="3975933812"/>
       </p:ext>
     </p:extLst>
   </p:cSld>
